--- a/SIM GAME_GA.pptx
+++ b/SIM GAME_GA.pptx
@@ -14,9 +14,8 @@
     <p:sldId id="276" r:id="rId11"/>
     <p:sldId id="278" r:id="rId12"/>
     <p:sldId id="280" r:id="rId13"/>
-    <p:sldId id="281" r:id="rId14"/>
-    <p:sldId id="274" r:id="rId15"/>
-    <p:sldId id="271" r:id="rId16"/>
+    <p:sldId id="274" r:id="rId14"/>
+    <p:sldId id="271" r:id="rId15"/>
   </p:sldIdLst>
   <p:sldSz cx="12192000" cy="6858000"/>
   <p:notesSz cx="6858000" cy="9144000"/>
@@ -121,6 +120,2105 @@
     </p:ext>
   </p:extLst>
 </p:presentation>
+</file>
+
+<file path=ppt/charts/chart1.xml><?xml version="1.0" encoding="utf-8"?>
+<c:chartSpace xmlns:c="http://schemas.openxmlformats.org/drawingml/2006/chart" xmlns:a="http://schemas.openxmlformats.org/drawingml/2006/main" xmlns:r="http://schemas.openxmlformats.org/officeDocument/2006/relationships" xmlns:c16r2="http://schemas.microsoft.com/office/drawing/2015/06/chart">
+  <c:date1904 val="0"/>
+  <c:lang val="en-US"/>
+  <c:roundedCorners val="0"/>
+  <mc:AlternateContent xmlns:mc="http://schemas.openxmlformats.org/markup-compatibility/2006">
+    <mc:Choice xmlns:c14="http://schemas.microsoft.com/office/drawing/2007/8/2/chart" Requires="c14">
+      <c14:style val="102"/>
+    </mc:Choice>
+    <mc:Fallback>
+      <c:style val="2"/>
+    </mc:Fallback>
+  </mc:AlternateContent>
+  <c:chart>
+    <c:title>
+      <c:tx>
+        <c:rich>
+          <a:bodyPr rot="0" spcFirstLastPara="1" vertOverflow="ellipsis" vert="horz" wrap="square" anchor="ctr" anchorCtr="1"/>
+          <a:lstStyle/>
+          <a:p>
+            <a:pPr>
+              <a:defRPr sz="1400" b="0" i="0" u="none" strike="noStrike" kern="1200" spc="0" baseline="0">
+                <a:solidFill>
+                  <a:schemeClr val="tx1">
+                    <a:lumMod val="65000"/>
+                    <a:lumOff val="35000"/>
+                  </a:schemeClr>
+                </a:solidFill>
+                <a:latin typeface="+mn-lt"/>
+                <a:ea typeface="+mn-ea"/>
+                <a:cs typeface="+mn-cs"/>
+              </a:defRPr>
+            </a:pPr>
+            <a:r>
+              <a:rPr lang="en-US"/>
+              <a:t>Best Performance</a:t>
+            </a:r>
+            <a:r>
+              <a:rPr lang="en-US" baseline="0"/>
+              <a:t> each Generation</a:t>
+            </a:r>
+            <a:endParaRPr lang="en-US"/>
+          </a:p>
+        </c:rich>
+      </c:tx>
+      <c:overlay val="0"/>
+      <c:spPr>
+        <a:noFill/>
+        <a:ln>
+          <a:noFill/>
+        </a:ln>
+        <a:effectLst/>
+      </c:spPr>
+      <c:txPr>
+        <a:bodyPr rot="0" spcFirstLastPara="1" vertOverflow="ellipsis" vert="horz" wrap="square" anchor="ctr" anchorCtr="1"/>
+        <a:lstStyle/>
+        <a:p>
+          <a:pPr>
+            <a:defRPr sz="1400" b="0" i="0" u="none" strike="noStrike" kern="1200" spc="0" baseline="0">
+              <a:solidFill>
+                <a:schemeClr val="tx1">
+                  <a:lumMod val="65000"/>
+                  <a:lumOff val="35000"/>
+                </a:schemeClr>
+              </a:solidFill>
+              <a:latin typeface="+mn-lt"/>
+              <a:ea typeface="+mn-ea"/>
+              <a:cs typeface="+mn-cs"/>
+            </a:defRPr>
+          </a:pPr>
+          <a:endParaRPr lang="en-US"/>
+        </a:p>
+      </c:txPr>
+    </c:title>
+    <c:autoTitleDeleted val="0"/>
+    <c:plotArea>
+      <c:layout/>
+      <c:lineChart>
+        <c:grouping val="standard"/>
+        <c:varyColors val="0"/>
+        <c:ser>
+          <c:idx val="0"/>
+          <c:order val="0"/>
+          <c:tx>
+            <c:strRef>
+              <c:f>Sheet1!$B$1</c:f>
+              <c:strCache>
+                <c:ptCount val="1"/>
+                <c:pt idx="0">
+                  <c:v>Games win</c:v>
+                </c:pt>
+              </c:strCache>
+            </c:strRef>
+          </c:tx>
+          <c:spPr>
+            <a:ln w="28575" cap="rnd">
+              <a:solidFill>
+                <a:schemeClr val="accent1"/>
+              </a:solidFill>
+              <a:round/>
+            </a:ln>
+            <a:effectLst/>
+          </c:spPr>
+          <c:marker>
+            <c:symbol val="none"/>
+          </c:marker>
+          <c:dLbls>
+            <c:spPr>
+              <a:noFill/>
+              <a:ln>
+                <a:noFill/>
+              </a:ln>
+              <a:effectLst/>
+            </c:spPr>
+            <c:txPr>
+              <a:bodyPr rot="0" spcFirstLastPara="1" vertOverflow="ellipsis" vert="horz" wrap="square" lIns="38100" tIns="19050" rIns="38100" bIns="19050" anchor="ctr" anchorCtr="1">
+                <a:spAutoFit/>
+              </a:bodyPr>
+              <a:lstStyle/>
+              <a:p>
+                <a:pPr>
+                  <a:defRPr sz="900" b="0" i="0" u="none" strike="noStrike" kern="1200" baseline="0">
+                    <a:solidFill>
+                      <a:schemeClr val="tx1">
+                        <a:lumMod val="75000"/>
+                        <a:lumOff val="25000"/>
+                      </a:schemeClr>
+                    </a:solidFill>
+                    <a:latin typeface="+mn-lt"/>
+                    <a:ea typeface="+mn-ea"/>
+                    <a:cs typeface="+mn-cs"/>
+                  </a:defRPr>
+                </a:pPr>
+                <a:endParaRPr lang="en-US"/>
+              </a:p>
+            </c:txPr>
+            <c:dLblPos val="t"/>
+            <c:showLegendKey val="0"/>
+            <c:showVal val="1"/>
+            <c:showCatName val="0"/>
+            <c:showSerName val="0"/>
+            <c:showPercent val="0"/>
+            <c:showBubbleSize val="0"/>
+            <c:showLeaderLines val="0"/>
+            <c:extLst>
+              <c:ext xmlns:c15="http://schemas.microsoft.com/office/drawing/2012/chart" uri="{CE6537A1-D6FC-4f65-9D91-7224C49458BB}">
+                <c15:showLeaderLines val="1"/>
+                <c15:leaderLines>
+                  <c:spPr>
+                    <a:ln w="9525" cap="flat" cmpd="sng" algn="ctr">
+                      <a:solidFill>
+                        <a:schemeClr val="tx1">
+                          <a:lumMod val="35000"/>
+                          <a:lumOff val="65000"/>
+                        </a:schemeClr>
+                      </a:solidFill>
+                      <a:round/>
+                    </a:ln>
+                    <a:effectLst/>
+                  </c:spPr>
+                </c15:leaderLines>
+              </c:ext>
+            </c:extLst>
+          </c:dLbls>
+          <c:val>
+            <c:numRef>
+              <c:f>Sheet1!$B$2:$B$4</c:f>
+              <c:numCache>
+                <c:formatCode>General</c:formatCode>
+                <c:ptCount val="3"/>
+                <c:pt idx="0">
+                  <c:v>15</c:v>
+                </c:pt>
+                <c:pt idx="1">
+                  <c:v>19</c:v>
+                </c:pt>
+                <c:pt idx="2">
+                  <c:v>20</c:v>
+                </c:pt>
+              </c:numCache>
+            </c:numRef>
+          </c:val>
+          <c:smooth val="0"/>
+          <c:extLst>
+            <c:ext xmlns:c16="http://schemas.microsoft.com/office/drawing/2014/chart" uri="{C3380CC4-5D6E-409C-BE32-E72D297353CC}">
+              <c16:uniqueId val="{00000000-9A7D-44A4-AFE2-EFDBC19103C5}"/>
+            </c:ext>
+          </c:extLst>
+        </c:ser>
+        <c:dLbls>
+          <c:dLblPos val="t"/>
+          <c:showLegendKey val="0"/>
+          <c:showVal val="1"/>
+          <c:showCatName val="0"/>
+          <c:showSerName val="0"/>
+          <c:showPercent val="0"/>
+          <c:showBubbleSize val="0"/>
+        </c:dLbls>
+        <c:smooth val="0"/>
+        <c:axId val="1697349072"/>
+        <c:axId val="1707993728"/>
+      </c:lineChart>
+      <c:catAx>
+        <c:axId val="1697349072"/>
+        <c:scaling>
+          <c:orientation val="minMax"/>
+        </c:scaling>
+        <c:delete val="0"/>
+        <c:axPos val="b"/>
+        <c:title>
+          <c:tx>
+            <c:rich>
+              <a:bodyPr rot="0" spcFirstLastPara="1" vertOverflow="ellipsis" vert="horz" wrap="square" anchor="ctr" anchorCtr="1"/>
+              <a:lstStyle/>
+              <a:p>
+                <a:pPr>
+                  <a:defRPr sz="1000" b="0" i="0" u="none" strike="noStrike" kern="1200" baseline="0">
+                    <a:solidFill>
+                      <a:schemeClr val="tx1">
+                        <a:lumMod val="65000"/>
+                        <a:lumOff val="35000"/>
+                      </a:schemeClr>
+                    </a:solidFill>
+                    <a:latin typeface="+mn-lt"/>
+                    <a:ea typeface="+mn-ea"/>
+                    <a:cs typeface="+mn-cs"/>
+                  </a:defRPr>
+                </a:pPr>
+                <a:r>
+                  <a:rPr lang="en-US"/>
+                  <a:t>Generation</a:t>
+                </a:r>
+              </a:p>
+            </c:rich>
+          </c:tx>
+          <c:overlay val="0"/>
+          <c:spPr>
+            <a:noFill/>
+            <a:ln>
+              <a:noFill/>
+            </a:ln>
+            <a:effectLst/>
+          </c:spPr>
+          <c:txPr>
+            <a:bodyPr rot="0" spcFirstLastPara="1" vertOverflow="ellipsis" vert="horz" wrap="square" anchor="ctr" anchorCtr="1"/>
+            <a:lstStyle/>
+            <a:p>
+              <a:pPr>
+                <a:defRPr sz="1000" b="0" i="0" u="none" strike="noStrike" kern="1200" baseline="0">
+                  <a:solidFill>
+                    <a:schemeClr val="tx1">
+                      <a:lumMod val="65000"/>
+                      <a:lumOff val="35000"/>
+                    </a:schemeClr>
+                  </a:solidFill>
+                  <a:latin typeface="+mn-lt"/>
+                  <a:ea typeface="+mn-ea"/>
+                  <a:cs typeface="+mn-cs"/>
+                </a:defRPr>
+              </a:pPr>
+              <a:endParaRPr lang="en-US"/>
+            </a:p>
+          </c:txPr>
+        </c:title>
+        <c:majorTickMark val="none"/>
+        <c:minorTickMark val="none"/>
+        <c:tickLblPos val="nextTo"/>
+        <c:spPr>
+          <a:noFill/>
+          <a:ln w="9525" cap="flat" cmpd="sng" algn="ctr">
+            <a:solidFill>
+              <a:schemeClr val="tx1">
+                <a:lumMod val="15000"/>
+                <a:lumOff val="85000"/>
+              </a:schemeClr>
+            </a:solidFill>
+            <a:round/>
+          </a:ln>
+          <a:effectLst/>
+        </c:spPr>
+        <c:txPr>
+          <a:bodyPr rot="-60000000" spcFirstLastPara="1" vertOverflow="ellipsis" vert="horz" wrap="square" anchor="ctr" anchorCtr="1"/>
+          <a:lstStyle/>
+          <a:p>
+            <a:pPr>
+              <a:defRPr sz="900" b="0" i="0" u="none" strike="noStrike" kern="1200" baseline="0">
+                <a:solidFill>
+                  <a:schemeClr val="tx1">
+                    <a:lumMod val="65000"/>
+                    <a:lumOff val="35000"/>
+                  </a:schemeClr>
+                </a:solidFill>
+                <a:latin typeface="+mn-lt"/>
+                <a:ea typeface="+mn-ea"/>
+                <a:cs typeface="+mn-cs"/>
+              </a:defRPr>
+            </a:pPr>
+            <a:endParaRPr lang="en-US"/>
+          </a:p>
+        </c:txPr>
+        <c:crossAx val="1707993728"/>
+        <c:crosses val="autoZero"/>
+        <c:auto val="1"/>
+        <c:lblAlgn val="ctr"/>
+        <c:lblOffset val="100"/>
+        <c:noMultiLvlLbl val="0"/>
+      </c:catAx>
+      <c:valAx>
+        <c:axId val="1707993728"/>
+        <c:scaling>
+          <c:orientation val="minMax"/>
+        </c:scaling>
+        <c:delete val="0"/>
+        <c:axPos val="l"/>
+        <c:majorGridlines>
+          <c:spPr>
+            <a:ln w="9525" cap="flat" cmpd="sng" algn="ctr">
+              <a:solidFill>
+                <a:schemeClr val="tx1">
+                  <a:lumMod val="15000"/>
+                  <a:lumOff val="85000"/>
+                </a:schemeClr>
+              </a:solidFill>
+              <a:round/>
+            </a:ln>
+            <a:effectLst/>
+          </c:spPr>
+        </c:majorGridlines>
+        <c:title>
+          <c:tx>
+            <c:rich>
+              <a:bodyPr rot="-5400000" spcFirstLastPara="1" vertOverflow="ellipsis" vert="horz" wrap="square" anchor="ctr" anchorCtr="1"/>
+              <a:lstStyle/>
+              <a:p>
+                <a:pPr>
+                  <a:defRPr sz="1000" b="0" i="0" u="none" strike="noStrike" kern="1200" baseline="0">
+                    <a:solidFill>
+                      <a:schemeClr val="tx1">
+                        <a:lumMod val="65000"/>
+                        <a:lumOff val="35000"/>
+                      </a:schemeClr>
+                    </a:solidFill>
+                    <a:latin typeface="+mn-lt"/>
+                    <a:ea typeface="+mn-ea"/>
+                    <a:cs typeface="+mn-cs"/>
+                  </a:defRPr>
+                </a:pPr>
+                <a:r>
+                  <a:rPr lang="en-US"/>
+                  <a:t>Games</a:t>
+                </a:r>
+                <a:r>
+                  <a:rPr lang="en-US" baseline="0"/>
+                  <a:t> win</a:t>
+                </a:r>
+                <a:endParaRPr lang="en-US"/>
+              </a:p>
+            </c:rich>
+          </c:tx>
+          <c:overlay val="0"/>
+          <c:spPr>
+            <a:noFill/>
+            <a:ln>
+              <a:noFill/>
+            </a:ln>
+            <a:effectLst/>
+          </c:spPr>
+          <c:txPr>
+            <a:bodyPr rot="-5400000" spcFirstLastPara="1" vertOverflow="ellipsis" vert="horz" wrap="square" anchor="ctr" anchorCtr="1"/>
+            <a:lstStyle/>
+            <a:p>
+              <a:pPr>
+                <a:defRPr sz="1000" b="0" i="0" u="none" strike="noStrike" kern="1200" baseline="0">
+                  <a:solidFill>
+                    <a:schemeClr val="tx1">
+                      <a:lumMod val="65000"/>
+                      <a:lumOff val="35000"/>
+                    </a:schemeClr>
+                  </a:solidFill>
+                  <a:latin typeface="+mn-lt"/>
+                  <a:ea typeface="+mn-ea"/>
+                  <a:cs typeface="+mn-cs"/>
+                </a:defRPr>
+              </a:pPr>
+              <a:endParaRPr lang="en-US"/>
+            </a:p>
+          </c:txPr>
+        </c:title>
+        <c:numFmt formatCode="General" sourceLinked="1"/>
+        <c:majorTickMark val="none"/>
+        <c:minorTickMark val="none"/>
+        <c:tickLblPos val="nextTo"/>
+        <c:spPr>
+          <a:noFill/>
+          <a:ln>
+            <a:noFill/>
+          </a:ln>
+          <a:effectLst/>
+        </c:spPr>
+        <c:txPr>
+          <a:bodyPr rot="-60000000" spcFirstLastPara="1" vertOverflow="ellipsis" vert="horz" wrap="square" anchor="ctr" anchorCtr="1"/>
+          <a:lstStyle/>
+          <a:p>
+            <a:pPr>
+              <a:defRPr sz="900" b="0" i="0" u="none" strike="noStrike" kern="1200" baseline="0">
+                <a:solidFill>
+                  <a:schemeClr val="tx1">
+                    <a:lumMod val="65000"/>
+                    <a:lumOff val="35000"/>
+                  </a:schemeClr>
+                </a:solidFill>
+                <a:latin typeface="+mn-lt"/>
+                <a:ea typeface="+mn-ea"/>
+                <a:cs typeface="+mn-cs"/>
+              </a:defRPr>
+            </a:pPr>
+            <a:endParaRPr lang="en-US"/>
+          </a:p>
+        </c:txPr>
+        <c:crossAx val="1697349072"/>
+        <c:crosses val="autoZero"/>
+        <c:crossBetween val="between"/>
+      </c:valAx>
+      <c:spPr>
+        <a:noFill/>
+        <a:ln>
+          <a:noFill/>
+        </a:ln>
+        <a:effectLst/>
+      </c:spPr>
+    </c:plotArea>
+    <c:legend>
+      <c:legendPos val="b"/>
+      <c:overlay val="0"/>
+      <c:spPr>
+        <a:noFill/>
+        <a:ln>
+          <a:noFill/>
+        </a:ln>
+        <a:effectLst/>
+      </c:spPr>
+      <c:txPr>
+        <a:bodyPr rot="0" spcFirstLastPara="1" vertOverflow="ellipsis" vert="horz" wrap="square" anchor="ctr" anchorCtr="1"/>
+        <a:lstStyle/>
+        <a:p>
+          <a:pPr>
+            <a:defRPr sz="900" b="0" i="0" u="none" strike="noStrike" kern="1200" baseline="0">
+              <a:solidFill>
+                <a:schemeClr val="tx1">
+                  <a:lumMod val="65000"/>
+                  <a:lumOff val="35000"/>
+                </a:schemeClr>
+              </a:solidFill>
+              <a:latin typeface="+mn-lt"/>
+              <a:ea typeface="+mn-ea"/>
+              <a:cs typeface="+mn-cs"/>
+            </a:defRPr>
+          </a:pPr>
+          <a:endParaRPr lang="en-US"/>
+        </a:p>
+      </c:txPr>
+    </c:legend>
+    <c:plotVisOnly val="1"/>
+    <c:dispBlanksAs val="gap"/>
+    <c:extLst>
+      <c:ext xmlns:c16r3="http://schemas.microsoft.com/office/drawing/2017/03/chart" uri="{56B9EC1D-385E-4148-901F-78D8002777C0}">
+        <c16r3:dataDisplayOptions16>
+          <c16r3:dispNaAsBlank val="1"/>
+        </c16r3:dataDisplayOptions16>
+      </c:ext>
+    </c:extLst>
+    <c:showDLblsOverMax val="0"/>
+  </c:chart>
+  <c:spPr>
+    <a:noFill/>
+    <a:ln>
+      <a:noFill/>
+    </a:ln>
+    <a:effectLst/>
+  </c:spPr>
+  <c:txPr>
+    <a:bodyPr/>
+    <a:lstStyle/>
+    <a:p>
+      <a:pPr>
+        <a:defRPr/>
+      </a:pPr>
+      <a:endParaRPr lang="en-US"/>
+    </a:p>
+  </c:txPr>
+  <c:externalData r:id="rId3">
+    <c:autoUpdate val="0"/>
+  </c:externalData>
+</c:chartSpace>
+</file>
+
+<file path=ppt/charts/chart2.xml><?xml version="1.0" encoding="utf-8"?>
+<c:chartSpace xmlns:c="http://schemas.openxmlformats.org/drawingml/2006/chart" xmlns:a="http://schemas.openxmlformats.org/drawingml/2006/main" xmlns:r="http://schemas.openxmlformats.org/officeDocument/2006/relationships" xmlns:c16r2="http://schemas.microsoft.com/office/drawing/2015/06/chart">
+  <c:date1904 val="0"/>
+  <c:lang val="en-US"/>
+  <c:roundedCorners val="0"/>
+  <mc:AlternateContent xmlns:mc="http://schemas.openxmlformats.org/markup-compatibility/2006">
+    <mc:Choice xmlns:c14="http://schemas.microsoft.com/office/drawing/2007/8/2/chart" Requires="c14">
+      <c14:style val="102"/>
+    </mc:Choice>
+    <mc:Fallback>
+      <c:style val="2"/>
+    </mc:Fallback>
+  </mc:AlternateContent>
+  <c:chart>
+    <c:title>
+      <c:tx>
+        <c:rich>
+          <a:bodyPr rot="0" spcFirstLastPara="1" vertOverflow="ellipsis" vert="horz" wrap="square" anchor="ctr" anchorCtr="1"/>
+          <a:lstStyle/>
+          <a:p>
+            <a:pPr>
+              <a:defRPr sz="1400" b="0" i="0" u="none" strike="noStrike" kern="1200" spc="0" baseline="0">
+                <a:solidFill>
+                  <a:schemeClr val="tx1">
+                    <a:lumMod val="65000"/>
+                    <a:lumOff val="35000"/>
+                  </a:schemeClr>
+                </a:solidFill>
+                <a:latin typeface="+mn-lt"/>
+                <a:ea typeface="+mn-ea"/>
+                <a:cs typeface="+mn-cs"/>
+              </a:defRPr>
+            </a:pPr>
+            <a:r>
+              <a:rPr lang="en-US"/>
+              <a:t>Generation</a:t>
+            </a:r>
+            <a:r>
+              <a:rPr lang="en-US" baseline="0"/>
+              <a:t> Performance</a:t>
+            </a:r>
+            <a:endParaRPr lang="en-US"/>
+          </a:p>
+        </c:rich>
+      </c:tx>
+      <c:overlay val="0"/>
+      <c:spPr>
+        <a:noFill/>
+        <a:ln>
+          <a:noFill/>
+        </a:ln>
+        <a:effectLst/>
+      </c:spPr>
+      <c:txPr>
+        <a:bodyPr rot="0" spcFirstLastPara="1" vertOverflow="ellipsis" vert="horz" wrap="square" anchor="ctr" anchorCtr="1"/>
+        <a:lstStyle/>
+        <a:p>
+          <a:pPr>
+            <a:defRPr sz="1400" b="0" i="0" u="none" strike="noStrike" kern="1200" spc="0" baseline="0">
+              <a:solidFill>
+                <a:schemeClr val="tx1">
+                  <a:lumMod val="65000"/>
+                  <a:lumOff val="35000"/>
+                </a:schemeClr>
+              </a:solidFill>
+              <a:latin typeface="+mn-lt"/>
+              <a:ea typeface="+mn-ea"/>
+              <a:cs typeface="+mn-cs"/>
+            </a:defRPr>
+          </a:pPr>
+          <a:endParaRPr lang="en-US"/>
+        </a:p>
+      </c:txPr>
+    </c:title>
+    <c:autoTitleDeleted val="0"/>
+    <c:plotArea>
+      <c:layout/>
+      <c:lineChart>
+        <c:grouping val="standard"/>
+        <c:varyColors val="0"/>
+        <c:ser>
+          <c:idx val="1"/>
+          <c:order val="0"/>
+          <c:tx>
+            <c:strRef>
+              <c:f>Sheet1!$D$16</c:f>
+              <c:strCache>
+                <c:ptCount val="1"/>
+                <c:pt idx="0">
+                  <c:v>Games win</c:v>
+                </c:pt>
+              </c:strCache>
+            </c:strRef>
+          </c:tx>
+          <c:spPr>
+            <a:ln w="28575" cap="rnd">
+              <a:solidFill>
+                <a:schemeClr val="accent2"/>
+              </a:solidFill>
+              <a:round/>
+            </a:ln>
+            <a:effectLst/>
+          </c:spPr>
+          <c:marker>
+            <c:symbol val="none"/>
+          </c:marker>
+          <c:dLbls>
+            <c:spPr>
+              <a:noFill/>
+              <a:ln>
+                <a:noFill/>
+              </a:ln>
+              <a:effectLst/>
+            </c:spPr>
+            <c:txPr>
+              <a:bodyPr rot="0" spcFirstLastPara="1" vertOverflow="ellipsis" vert="horz" wrap="square" lIns="38100" tIns="19050" rIns="38100" bIns="19050" anchor="ctr" anchorCtr="1">
+                <a:spAutoFit/>
+              </a:bodyPr>
+              <a:lstStyle/>
+              <a:p>
+                <a:pPr>
+                  <a:defRPr sz="900" b="0" i="0" u="none" strike="noStrike" kern="1200" baseline="0">
+                    <a:solidFill>
+                      <a:schemeClr val="tx1">
+                        <a:lumMod val="75000"/>
+                        <a:lumOff val="25000"/>
+                      </a:schemeClr>
+                    </a:solidFill>
+                    <a:latin typeface="+mn-lt"/>
+                    <a:ea typeface="+mn-ea"/>
+                    <a:cs typeface="+mn-cs"/>
+                  </a:defRPr>
+                </a:pPr>
+                <a:endParaRPr lang="en-US"/>
+              </a:p>
+            </c:txPr>
+            <c:dLblPos val="t"/>
+            <c:showLegendKey val="0"/>
+            <c:showVal val="1"/>
+            <c:showCatName val="0"/>
+            <c:showSerName val="0"/>
+            <c:showPercent val="0"/>
+            <c:showBubbleSize val="0"/>
+            <c:showLeaderLines val="0"/>
+            <c:extLst>
+              <c:ext xmlns:c15="http://schemas.microsoft.com/office/drawing/2012/chart" uri="{CE6537A1-D6FC-4f65-9D91-7224C49458BB}">
+                <c15:showLeaderLines val="1"/>
+                <c15:leaderLines>
+                  <c:spPr>
+                    <a:ln w="9525" cap="flat" cmpd="sng" algn="ctr">
+                      <a:solidFill>
+                        <a:schemeClr val="tx1">
+                          <a:lumMod val="35000"/>
+                          <a:lumOff val="65000"/>
+                        </a:schemeClr>
+                      </a:solidFill>
+                      <a:round/>
+                    </a:ln>
+                    <a:effectLst/>
+                  </c:spPr>
+                </c15:leaderLines>
+              </c:ext>
+            </c:extLst>
+          </c:dLbls>
+          <c:val>
+            <c:numRef>
+              <c:f>Sheet1!$D$17:$D$19</c:f>
+              <c:numCache>
+                <c:formatCode>General</c:formatCode>
+                <c:ptCount val="3"/>
+                <c:pt idx="0">
+                  <c:v>24</c:v>
+                </c:pt>
+                <c:pt idx="1">
+                  <c:v>39</c:v>
+                </c:pt>
+                <c:pt idx="2">
+                  <c:v>56</c:v>
+                </c:pt>
+              </c:numCache>
+            </c:numRef>
+          </c:val>
+          <c:smooth val="0"/>
+          <c:extLst>
+            <c:ext xmlns:c16="http://schemas.microsoft.com/office/drawing/2014/chart" uri="{C3380CC4-5D6E-409C-BE32-E72D297353CC}">
+              <c16:uniqueId val="{00000000-8EA6-45C5-A942-0F2EA62F7266}"/>
+            </c:ext>
+          </c:extLst>
+        </c:ser>
+        <c:dLbls>
+          <c:dLblPos val="t"/>
+          <c:showLegendKey val="0"/>
+          <c:showVal val="1"/>
+          <c:showCatName val="0"/>
+          <c:showSerName val="0"/>
+          <c:showPercent val="0"/>
+          <c:showBubbleSize val="0"/>
+        </c:dLbls>
+        <c:smooth val="0"/>
+        <c:axId val="1832360032"/>
+        <c:axId val="1707986240"/>
+      </c:lineChart>
+      <c:catAx>
+        <c:axId val="1832360032"/>
+        <c:scaling>
+          <c:orientation val="minMax"/>
+        </c:scaling>
+        <c:delete val="0"/>
+        <c:axPos val="b"/>
+        <c:title>
+          <c:tx>
+            <c:rich>
+              <a:bodyPr rot="0" spcFirstLastPara="1" vertOverflow="ellipsis" vert="horz" wrap="square" anchor="ctr" anchorCtr="1"/>
+              <a:lstStyle/>
+              <a:p>
+                <a:pPr>
+                  <a:defRPr sz="1000" b="0" i="0" u="none" strike="noStrike" kern="1200" baseline="0">
+                    <a:solidFill>
+                      <a:schemeClr val="tx1">
+                        <a:lumMod val="65000"/>
+                        <a:lumOff val="35000"/>
+                      </a:schemeClr>
+                    </a:solidFill>
+                    <a:latin typeface="+mn-lt"/>
+                    <a:ea typeface="+mn-ea"/>
+                    <a:cs typeface="+mn-cs"/>
+                  </a:defRPr>
+                </a:pPr>
+                <a:r>
+                  <a:rPr lang="en-US"/>
+                  <a:t>Generation</a:t>
+                </a:r>
+              </a:p>
+            </c:rich>
+          </c:tx>
+          <c:overlay val="0"/>
+          <c:spPr>
+            <a:noFill/>
+            <a:ln>
+              <a:noFill/>
+            </a:ln>
+            <a:effectLst/>
+          </c:spPr>
+          <c:txPr>
+            <a:bodyPr rot="0" spcFirstLastPara="1" vertOverflow="ellipsis" vert="horz" wrap="square" anchor="ctr" anchorCtr="1"/>
+            <a:lstStyle/>
+            <a:p>
+              <a:pPr>
+                <a:defRPr sz="1000" b="0" i="0" u="none" strike="noStrike" kern="1200" baseline="0">
+                  <a:solidFill>
+                    <a:schemeClr val="tx1">
+                      <a:lumMod val="65000"/>
+                      <a:lumOff val="35000"/>
+                    </a:schemeClr>
+                  </a:solidFill>
+                  <a:latin typeface="+mn-lt"/>
+                  <a:ea typeface="+mn-ea"/>
+                  <a:cs typeface="+mn-cs"/>
+                </a:defRPr>
+              </a:pPr>
+              <a:endParaRPr lang="en-US"/>
+            </a:p>
+          </c:txPr>
+        </c:title>
+        <c:majorTickMark val="none"/>
+        <c:minorTickMark val="none"/>
+        <c:tickLblPos val="nextTo"/>
+        <c:spPr>
+          <a:noFill/>
+          <a:ln w="9525" cap="flat" cmpd="sng" algn="ctr">
+            <a:solidFill>
+              <a:schemeClr val="tx1">
+                <a:lumMod val="15000"/>
+                <a:lumOff val="85000"/>
+              </a:schemeClr>
+            </a:solidFill>
+            <a:round/>
+          </a:ln>
+          <a:effectLst/>
+        </c:spPr>
+        <c:txPr>
+          <a:bodyPr rot="-60000000" spcFirstLastPara="1" vertOverflow="ellipsis" vert="horz" wrap="square" anchor="ctr" anchorCtr="1"/>
+          <a:lstStyle/>
+          <a:p>
+            <a:pPr>
+              <a:defRPr sz="900" b="0" i="0" u="none" strike="noStrike" kern="1200" baseline="0">
+                <a:solidFill>
+                  <a:schemeClr val="tx1">
+                    <a:lumMod val="65000"/>
+                    <a:lumOff val="35000"/>
+                  </a:schemeClr>
+                </a:solidFill>
+                <a:latin typeface="+mn-lt"/>
+                <a:ea typeface="+mn-ea"/>
+                <a:cs typeface="+mn-cs"/>
+              </a:defRPr>
+            </a:pPr>
+            <a:endParaRPr lang="en-US"/>
+          </a:p>
+        </c:txPr>
+        <c:crossAx val="1707986240"/>
+        <c:crosses val="autoZero"/>
+        <c:auto val="1"/>
+        <c:lblAlgn val="ctr"/>
+        <c:lblOffset val="100"/>
+        <c:noMultiLvlLbl val="0"/>
+      </c:catAx>
+      <c:valAx>
+        <c:axId val="1707986240"/>
+        <c:scaling>
+          <c:orientation val="minMax"/>
+        </c:scaling>
+        <c:delete val="0"/>
+        <c:axPos val="l"/>
+        <c:majorGridlines>
+          <c:spPr>
+            <a:ln w="9525" cap="flat" cmpd="sng" algn="ctr">
+              <a:solidFill>
+                <a:schemeClr val="tx1">
+                  <a:lumMod val="15000"/>
+                  <a:lumOff val="85000"/>
+                </a:schemeClr>
+              </a:solidFill>
+              <a:round/>
+            </a:ln>
+            <a:effectLst/>
+          </c:spPr>
+        </c:majorGridlines>
+        <c:title>
+          <c:tx>
+            <c:rich>
+              <a:bodyPr rot="-5400000" spcFirstLastPara="1" vertOverflow="ellipsis" vert="horz" wrap="square" anchor="ctr" anchorCtr="1"/>
+              <a:lstStyle/>
+              <a:p>
+                <a:pPr>
+                  <a:defRPr sz="1000" b="0" i="0" u="none" strike="noStrike" kern="1200" baseline="0">
+                    <a:solidFill>
+                      <a:schemeClr val="tx1">
+                        <a:lumMod val="65000"/>
+                        <a:lumOff val="35000"/>
+                      </a:schemeClr>
+                    </a:solidFill>
+                    <a:latin typeface="+mn-lt"/>
+                    <a:ea typeface="+mn-ea"/>
+                    <a:cs typeface="+mn-cs"/>
+                  </a:defRPr>
+                </a:pPr>
+                <a:r>
+                  <a:rPr lang="en-US"/>
+                  <a:t>Games win </a:t>
+                </a:r>
+              </a:p>
+            </c:rich>
+          </c:tx>
+          <c:overlay val="0"/>
+          <c:spPr>
+            <a:noFill/>
+            <a:ln>
+              <a:noFill/>
+            </a:ln>
+            <a:effectLst/>
+          </c:spPr>
+          <c:txPr>
+            <a:bodyPr rot="-5400000" spcFirstLastPara="1" vertOverflow="ellipsis" vert="horz" wrap="square" anchor="ctr" anchorCtr="1"/>
+            <a:lstStyle/>
+            <a:p>
+              <a:pPr>
+                <a:defRPr sz="1000" b="0" i="0" u="none" strike="noStrike" kern="1200" baseline="0">
+                  <a:solidFill>
+                    <a:schemeClr val="tx1">
+                      <a:lumMod val="65000"/>
+                      <a:lumOff val="35000"/>
+                    </a:schemeClr>
+                  </a:solidFill>
+                  <a:latin typeface="+mn-lt"/>
+                  <a:ea typeface="+mn-ea"/>
+                  <a:cs typeface="+mn-cs"/>
+                </a:defRPr>
+              </a:pPr>
+              <a:endParaRPr lang="en-US"/>
+            </a:p>
+          </c:txPr>
+        </c:title>
+        <c:numFmt formatCode="General" sourceLinked="1"/>
+        <c:majorTickMark val="none"/>
+        <c:minorTickMark val="none"/>
+        <c:tickLblPos val="nextTo"/>
+        <c:spPr>
+          <a:noFill/>
+          <a:ln>
+            <a:noFill/>
+          </a:ln>
+          <a:effectLst/>
+        </c:spPr>
+        <c:txPr>
+          <a:bodyPr rot="-60000000" spcFirstLastPara="1" vertOverflow="ellipsis" vert="horz" wrap="square" anchor="ctr" anchorCtr="1"/>
+          <a:lstStyle/>
+          <a:p>
+            <a:pPr>
+              <a:defRPr sz="900" b="0" i="0" u="none" strike="noStrike" kern="1200" baseline="0">
+                <a:solidFill>
+                  <a:schemeClr val="tx1">
+                    <a:lumMod val="65000"/>
+                    <a:lumOff val="35000"/>
+                  </a:schemeClr>
+                </a:solidFill>
+                <a:latin typeface="+mn-lt"/>
+                <a:ea typeface="+mn-ea"/>
+                <a:cs typeface="+mn-cs"/>
+              </a:defRPr>
+            </a:pPr>
+            <a:endParaRPr lang="en-US"/>
+          </a:p>
+        </c:txPr>
+        <c:crossAx val="1832360032"/>
+        <c:crosses val="autoZero"/>
+        <c:crossBetween val="between"/>
+      </c:valAx>
+      <c:spPr>
+        <a:noFill/>
+        <a:ln>
+          <a:noFill/>
+        </a:ln>
+        <a:effectLst/>
+      </c:spPr>
+    </c:plotArea>
+    <c:legend>
+      <c:legendPos val="b"/>
+      <c:overlay val="0"/>
+      <c:spPr>
+        <a:noFill/>
+        <a:ln>
+          <a:noFill/>
+        </a:ln>
+        <a:effectLst/>
+      </c:spPr>
+      <c:txPr>
+        <a:bodyPr rot="0" spcFirstLastPara="1" vertOverflow="ellipsis" vert="horz" wrap="square" anchor="ctr" anchorCtr="1"/>
+        <a:lstStyle/>
+        <a:p>
+          <a:pPr>
+            <a:defRPr sz="900" b="0" i="0" u="none" strike="noStrike" kern="1200" baseline="0">
+              <a:solidFill>
+                <a:schemeClr val="tx1">
+                  <a:lumMod val="65000"/>
+                  <a:lumOff val="35000"/>
+                </a:schemeClr>
+              </a:solidFill>
+              <a:latin typeface="+mn-lt"/>
+              <a:ea typeface="+mn-ea"/>
+              <a:cs typeface="+mn-cs"/>
+            </a:defRPr>
+          </a:pPr>
+          <a:endParaRPr lang="en-US"/>
+        </a:p>
+      </c:txPr>
+    </c:legend>
+    <c:plotVisOnly val="1"/>
+    <c:dispBlanksAs val="gap"/>
+    <c:extLst>
+      <c:ext xmlns:c16r3="http://schemas.microsoft.com/office/drawing/2017/03/chart" uri="{56B9EC1D-385E-4148-901F-78D8002777C0}">
+        <c16r3:dataDisplayOptions16>
+          <c16r3:dispNaAsBlank val="1"/>
+        </c16r3:dataDisplayOptions16>
+      </c:ext>
+    </c:extLst>
+    <c:showDLblsOverMax val="0"/>
+  </c:chart>
+  <c:spPr>
+    <a:noFill/>
+    <a:ln>
+      <a:noFill/>
+    </a:ln>
+    <a:effectLst/>
+  </c:spPr>
+  <c:txPr>
+    <a:bodyPr/>
+    <a:lstStyle/>
+    <a:p>
+      <a:pPr>
+        <a:defRPr/>
+      </a:pPr>
+      <a:endParaRPr lang="en-US"/>
+    </a:p>
+  </c:txPr>
+  <c:externalData r:id="rId3">
+    <c:autoUpdate val="0"/>
+  </c:externalData>
+</c:chartSpace>
+</file>
+
+<file path=ppt/charts/colors1.xml><?xml version="1.0" encoding="utf-8"?>
+<cs:colorStyle xmlns:cs="http://schemas.microsoft.com/office/drawing/2012/chartStyle" xmlns:a="http://schemas.openxmlformats.org/drawingml/2006/main" meth="cycle" id="10">
+  <a:schemeClr val="accent1"/>
+  <a:schemeClr val="accent2"/>
+  <a:schemeClr val="accent3"/>
+  <a:schemeClr val="accent4"/>
+  <a:schemeClr val="accent5"/>
+  <a:schemeClr val="accent6"/>
+  <cs:variation/>
+  <cs:variation>
+    <a:lumMod val="60000"/>
+  </cs:variation>
+  <cs:variation>
+    <a:lumMod val="80000"/>
+    <a:lumOff val="20000"/>
+  </cs:variation>
+  <cs:variation>
+    <a:lumMod val="80000"/>
+  </cs:variation>
+  <cs:variation>
+    <a:lumMod val="60000"/>
+    <a:lumOff val="40000"/>
+  </cs:variation>
+  <cs:variation>
+    <a:lumMod val="50000"/>
+  </cs:variation>
+  <cs:variation>
+    <a:lumMod val="70000"/>
+    <a:lumOff val="30000"/>
+  </cs:variation>
+  <cs:variation>
+    <a:lumMod val="70000"/>
+  </cs:variation>
+  <cs:variation>
+    <a:lumMod val="50000"/>
+    <a:lumOff val="50000"/>
+  </cs:variation>
+</cs:colorStyle>
+</file>
+
+<file path=ppt/charts/colors2.xml><?xml version="1.0" encoding="utf-8"?>
+<cs:colorStyle xmlns:cs="http://schemas.microsoft.com/office/drawing/2012/chartStyle" xmlns:a="http://schemas.openxmlformats.org/drawingml/2006/main" meth="cycle" id="10">
+  <a:schemeClr val="accent1"/>
+  <a:schemeClr val="accent2"/>
+  <a:schemeClr val="accent3"/>
+  <a:schemeClr val="accent4"/>
+  <a:schemeClr val="accent5"/>
+  <a:schemeClr val="accent6"/>
+  <cs:variation/>
+  <cs:variation>
+    <a:lumMod val="60000"/>
+  </cs:variation>
+  <cs:variation>
+    <a:lumMod val="80000"/>
+    <a:lumOff val="20000"/>
+  </cs:variation>
+  <cs:variation>
+    <a:lumMod val="80000"/>
+  </cs:variation>
+  <cs:variation>
+    <a:lumMod val="60000"/>
+    <a:lumOff val="40000"/>
+  </cs:variation>
+  <cs:variation>
+    <a:lumMod val="50000"/>
+  </cs:variation>
+  <cs:variation>
+    <a:lumMod val="70000"/>
+    <a:lumOff val="30000"/>
+  </cs:variation>
+  <cs:variation>
+    <a:lumMod val="70000"/>
+  </cs:variation>
+  <cs:variation>
+    <a:lumMod val="50000"/>
+    <a:lumOff val="50000"/>
+  </cs:variation>
+</cs:colorStyle>
+</file>
+
+<file path=ppt/charts/style1.xml><?xml version="1.0" encoding="utf-8"?>
+<cs:chartStyle xmlns:cs="http://schemas.microsoft.com/office/drawing/2012/chartStyle" xmlns:a="http://schemas.openxmlformats.org/drawingml/2006/main" id="227">
+  <cs:axisTitle>
+    <cs:lnRef idx="0"/>
+    <cs:fillRef idx="0"/>
+    <cs:effectRef idx="0"/>
+    <cs:fontRef idx="minor">
+      <a:schemeClr val="tx1">
+        <a:lumMod val="65000"/>
+        <a:lumOff val="35000"/>
+      </a:schemeClr>
+    </cs:fontRef>
+    <cs:defRPr sz="1000" kern="1200"/>
+  </cs:axisTitle>
+  <cs:categoryAxis>
+    <cs:lnRef idx="0"/>
+    <cs:fillRef idx="0"/>
+    <cs:effectRef idx="0"/>
+    <cs:fontRef idx="minor">
+      <a:schemeClr val="tx1">
+        <a:lumMod val="65000"/>
+        <a:lumOff val="35000"/>
+      </a:schemeClr>
+    </cs:fontRef>
+    <cs:spPr>
+      <a:ln w="9525" cap="flat" cmpd="sng" algn="ctr">
+        <a:solidFill>
+          <a:schemeClr val="tx1">
+            <a:lumMod val="15000"/>
+            <a:lumOff val="85000"/>
+          </a:schemeClr>
+        </a:solidFill>
+        <a:round/>
+      </a:ln>
+    </cs:spPr>
+    <cs:defRPr sz="900" kern="1200"/>
+  </cs:categoryAxis>
+  <cs:chartArea mods="allowNoFillOverride allowNoLineOverride">
+    <cs:lnRef idx="0"/>
+    <cs:fillRef idx="0"/>
+    <cs:effectRef idx="0"/>
+    <cs:fontRef idx="minor">
+      <a:schemeClr val="tx1"/>
+    </cs:fontRef>
+    <cs:spPr>
+      <a:solidFill>
+        <a:schemeClr val="bg1"/>
+      </a:solidFill>
+      <a:ln w="9525" cap="flat" cmpd="sng" algn="ctr">
+        <a:solidFill>
+          <a:schemeClr val="tx1">
+            <a:lumMod val="15000"/>
+            <a:lumOff val="85000"/>
+          </a:schemeClr>
+        </a:solidFill>
+        <a:round/>
+      </a:ln>
+    </cs:spPr>
+    <cs:defRPr sz="1000" kern="1200"/>
+  </cs:chartArea>
+  <cs:dataLabel>
+    <cs:lnRef idx="0"/>
+    <cs:fillRef idx="0"/>
+    <cs:effectRef idx="0"/>
+    <cs:fontRef idx="minor">
+      <a:schemeClr val="tx1">
+        <a:lumMod val="75000"/>
+        <a:lumOff val="25000"/>
+      </a:schemeClr>
+    </cs:fontRef>
+    <cs:defRPr sz="900" kern="1200"/>
+  </cs:dataLabel>
+  <cs:dataLabelCallout>
+    <cs:lnRef idx="0"/>
+    <cs:fillRef idx="0"/>
+    <cs:effectRef idx="0"/>
+    <cs:fontRef idx="minor">
+      <a:schemeClr val="dk1">
+        <a:lumMod val="65000"/>
+        <a:lumOff val="35000"/>
+      </a:schemeClr>
+    </cs:fontRef>
+    <cs:spPr>
+      <a:solidFill>
+        <a:schemeClr val="lt1"/>
+      </a:solidFill>
+      <a:ln>
+        <a:solidFill>
+          <a:schemeClr val="dk1">
+            <a:lumMod val="25000"/>
+            <a:lumOff val="75000"/>
+          </a:schemeClr>
+        </a:solidFill>
+      </a:ln>
+    </cs:spPr>
+    <cs:defRPr sz="900" kern="1200"/>
+    <cs:bodyPr rot="0" spcFirstLastPara="1" vertOverflow="clip" horzOverflow="clip" vert="horz" wrap="square" lIns="36576" tIns="18288" rIns="36576" bIns="18288" anchor="ctr" anchorCtr="1">
+      <a:spAutoFit/>
+    </cs:bodyPr>
+  </cs:dataLabelCallout>
+  <cs:dataPoint>
+    <cs:lnRef idx="0"/>
+    <cs:fillRef idx="1">
+      <cs:styleClr val="auto"/>
+    </cs:fillRef>
+    <cs:effectRef idx="0"/>
+    <cs:fontRef idx="minor">
+      <a:schemeClr val="tx1"/>
+    </cs:fontRef>
+    <cs:spPr>
+      <a:solidFill>
+        <a:schemeClr val="phClr"/>
+      </a:solidFill>
+    </cs:spPr>
+  </cs:dataPoint>
+  <cs:dataPoint3D>
+    <cs:lnRef idx="0"/>
+    <cs:fillRef idx="1">
+      <cs:styleClr val="auto"/>
+    </cs:fillRef>
+    <cs:effectRef idx="0"/>
+    <cs:fontRef idx="minor">
+      <a:schemeClr val="tx1"/>
+    </cs:fontRef>
+    <cs:spPr>
+      <a:solidFill>
+        <a:schemeClr val="phClr"/>
+      </a:solidFill>
+    </cs:spPr>
+  </cs:dataPoint3D>
+  <cs:dataPointLine>
+    <cs:lnRef idx="0">
+      <cs:styleClr val="auto"/>
+    </cs:lnRef>
+    <cs:fillRef idx="1"/>
+    <cs:effectRef idx="0"/>
+    <cs:fontRef idx="minor">
+      <a:schemeClr val="tx1"/>
+    </cs:fontRef>
+    <cs:spPr>
+      <a:ln w="28575" cap="rnd">
+        <a:solidFill>
+          <a:schemeClr val="phClr"/>
+        </a:solidFill>
+        <a:round/>
+      </a:ln>
+    </cs:spPr>
+  </cs:dataPointLine>
+  <cs:dataPointMarker>
+    <cs:lnRef idx="0">
+      <cs:styleClr val="auto"/>
+    </cs:lnRef>
+    <cs:fillRef idx="1">
+      <cs:styleClr val="auto"/>
+    </cs:fillRef>
+    <cs:effectRef idx="0"/>
+    <cs:fontRef idx="minor">
+      <a:schemeClr val="tx1"/>
+    </cs:fontRef>
+    <cs:spPr>
+      <a:solidFill>
+        <a:schemeClr val="phClr"/>
+      </a:solidFill>
+      <a:ln w="9525">
+        <a:solidFill>
+          <a:schemeClr val="phClr"/>
+        </a:solidFill>
+      </a:ln>
+    </cs:spPr>
+  </cs:dataPointMarker>
+  <cs:dataPointMarkerLayout symbol="circle" size="5"/>
+  <cs:dataPointWireframe>
+    <cs:lnRef idx="0">
+      <cs:styleClr val="auto"/>
+    </cs:lnRef>
+    <cs:fillRef idx="1"/>
+    <cs:effectRef idx="0"/>
+    <cs:fontRef idx="minor">
+      <a:schemeClr val="tx1"/>
+    </cs:fontRef>
+    <cs:spPr>
+      <a:ln w="9525" cap="rnd">
+        <a:solidFill>
+          <a:schemeClr val="phClr"/>
+        </a:solidFill>
+        <a:round/>
+      </a:ln>
+    </cs:spPr>
+  </cs:dataPointWireframe>
+  <cs:dataTable>
+    <cs:lnRef idx="0"/>
+    <cs:fillRef idx="0"/>
+    <cs:effectRef idx="0"/>
+    <cs:fontRef idx="minor">
+      <a:schemeClr val="tx1">
+        <a:lumMod val="65000"/>
+        <a:lumOff val="35000"/>
+      </a:schemeClr>
+    </cs:fontRef>
+    <cs:spPr>
+      <a:noFill/>
+      <a:ln w="9525" cap="flat" cmpd="sng" algn="ctr">
+        <a:solidFill>
+          <a:schemeClr val="tx1">
+            <a:lumMod val="15000"/>
+            <a:lumOff val="85000"/>
+          </a:schemeClr>
+        </a:solidFill>
+        <a:round/>
+      </a:ln>
+    </cs:spPr>
+    <cs:defRPr sz="900" kern="1200"/>
+  </cs:dataTable>
+  <cs:downBar>
+    <cs:lnRef idx="0"/>
+    <cs:fillRef idx="0"/>
+    <cs:effectRef idx="0"/>
+    <cs:fontRef idx="minor">
+      <a:schemeClr val="dk1"/>
+    </cs:fontRef>
+    <cs:spPr>
+      <a:solidFill>
+        <a:schemeClr val="dk1">
+          <a:lumMod val="65000"/>
+          <a:lumOff val="35000"/>
+        </a:schemeClr>
+      </a:solidFill>
+      <a:ln w="9525">
+        <a:solidFill>
+          <a:schemeClr val="tx1">
+            <a:lumMod val="65000"/>
+            <a:lumOff val="35000"/>
+          </a:schemeClr>
+        </a:solidFill>
+      </a:ln>
+    </cs:spPr>
+  </cs:downBar>
+  <cs:dropLine>
+    <cs:lnRef idx="0"/>
+    <cs:fillRef idx="0"/>
+    <cs:effectRef idx="0"/>
+    <cs:fontRef idx="minor">
+      <a:schemeClr val="tx1"/>
+    </cs:fontRef>
+    <cs:spPr>
+      <a:ln w="9525" cap="flat" cmpd="sng" algn="ctr">
+        <a:solidFill>
+          <a:schemeClr val="tx1">
+            <a:lumMod val="35000"/>
+            <a:lumOff val="65000"/>
+          </a:schemeClr>
+        </a:solidFill>
+        <a:round/>
+      </a:ln>
+    </cs:spPr>
+  </cs:dropLine>
+  <cs:errorBar>
+    <cs:lnRef idx="0"/>
+    <cs:fillRef idx="0"/>
+    <cs:effectRef idx="0"/>
+    <cs:fontRef idx="minor">
+      <a:schemeClr val="tx1"/>
+    </cs:fontRef>
+    <cs:spPr>
+      <a:ln w="9525" cap="flat" cmpd="sng" algn="ctr">
+        <a:solidFill>
+          <a:schemeClr val="tx1">
+            <a:lumMod val="65000"/>
+            <a:lumOff val="35000"/>
+          </a:schemeClr>
+        </a:solidFill>
+        <a:round/>
+      </a:ln>
+    </cs:spPr>
+  </cs:errorBar>
+  <cs:floor>
+    <cs:lnRef idx="0"/>
+    <cs:fillRef idx="0"/>
+    <cs:effectRef idx="0"/>
+    <cs:fontRef idx="minor">
+      <a:schemeClr val="tx1"/>
+    </cs:fontRef>
+    <cs:spPr>
+      <a:noFill/>
+      <a:ln>
+        <a:noFill/>
+      </a:ln>
+    </cs:spPr>
+  </cs:floor>
+  <cs:gridlineMajor>
+    <cs:lnRef idx="0"/>
+    <cs:fillRef idx="0"/>
+    <cs:effectRef idx="0"/>
+    <cs:fontRef idx="minor">
+      <a:schemeClr val="tx1"/>
+    </cs:fontRef>
+    <cs:spPr>
+      <a:ln w="9525" cap="flat" cmpd="sng" algn="ctr">
+        <a:solidFill>
+          <a:schemeClr val="tx1">
+            <a:lumMod val="15000"/>
+            <a:lumOff val="85000"/>
+          </a:schemeClr>
+        </a:solidFill>
+        <a:round/>
+      </a:ln>
+    </cs:spPr>
+  </cs:gridlineMajor>
+  <cs:gridlineMinor>
+    <cs:lnRef idx="0"/>
+    <cs:fillRef idx="0"/>
+    <cs:effectRef idx="0"/>
+    <cs:fontRef idx="minor">
+      <a:schemeClr val="tx1"/>
+    </cs:fontRef>
+    <cs:spPr>
+      <a:ln w="9525" cap="flat" cmpd="sng" algn="ctr">
+        <a:solidFill>
+          <a:schemeClr val="tx1">
+            <a:lumMod val="5000"/>
+            <a:lumOff val="95000"/>
+          </a:schemeClr>
+        </a:solidFill>
+        <a:round/>
+      </a:ln>
+    </cs:spPr>
+  </cs:gridlineMinor>
+  <cs:hiLoLine>
+    <cs:lnRef idx="0"/>
+    <cs:fillRef idx="0"/>
+    <cs:effectRef idx="0"/>
+    <cs:fontRef idx="minor">
+      <a:schemeClr val="tx1"/>
+    </cs:fontRef>
+    <cs:spPr>
+      <a:ln w="9525" cap="flat" cmpd="sng" algn="ctr">
+        <a:solidFill>
+          <a:schemeClr val="tx1">
+            <a:lumMod val="75000"/>
+            <a:lumOff val="25000"/>
+          </a:schemeClr>
+        </a:solidFill>
+        <a:round/>
+      </a:ln>
+    </cs:spPr>
+  </cs:hiLoLine>
+  <cs:leaderLine>
+    <cs:lnRef idx="0"/>
+    <cs:fillRef idx="0"/>
+    <cs:effectRef idx="0"/>
+    <cs:fontRef idx="minor">
+      <a:schemeClr val="tx1"/>
+    </cs:fontRef>
+    <cs:spPr>
+      <a:ln w="9525" cap="flat" cmpd="sng" algn="ctr">
+        <a:solidFill>
+          <a:schemeClr val="tx1">
+            <a:lumMod val="35000"/>
+            <a:lumOff val="65000"/>
+          </a:schemeClr>
+        </a:solidFill>
+        <a:round/>
+      </a:ln>
+    </cs:spPr>
+  </cs:leaderLine>
+  <cs:legend>
+    <cs:lnRef idx="0"/>
+    <cs:fillRef idx="0"/>
+    <cs:effectRef idx="0"/>
+    <cs:fontRef idx="minor">
+      <a:schemeClr val="tx1">
+        <a:lumMod val="65000"/>
+        <a:lumOff val="35000"/>
+      </a:schemeClr>
+    </cs:fontRef>
+    <cs:defRPr sz="900" kern="1200"/>
+  </cs:legend>
+  <cs:plotArea mods="allowNoFillOverride allowNoLineOverride">
+    <cs:lnRef idx="0"/>
+    <cs:fillRef idx="0"/>
+    <cs:effectRef idx="0"/>
+    <cs:fontRef idx="minor">
+      <a:schemeClr val="tx1"/>
+    </cs:fontRef>
+  </cs:plotArea>
+  <cs:plotArea3D mods="allowNoFillOverride allowNoLineOverride">
+    <cs:lnRef idx="0"/>
+    <cs:fillRef idx="0"/>
+    <cs:effectRef idx="0"/>
+    <cs:fontRef idx="minor">
+      <a:schemeClr val="tx1"/>
+    </cs:fontRef>
+  </cs:plotArea3D>
+  <cs:seriesAxis>
+    <cs:lnRef idx="0"/>
+    <cs:fillRef idx="0"/>
+    <cs:effectRef idx="0"/>
+    <cs:fontRef idx="minor">
+      <a:schemeClr val="tx1">
+        <a:lumMod val="65000"/>
+        <a:lumOff val="35000"/>
+      </a:schemeClr>
+    </cs:fontRef>
+    <cs:defRPr sz="900" kern="1200"/>
+  </cs:seriesAxis>
+  <cs:seriesLine>
+    <cs:lnRef idx="0"/>
+    <cs:fillRef idx="0"/>
+    <cs:effectRef idx="0"/>
+    <cs:fontRef idx="minor">
+      <a:schemeClr val="tx1"/>
+    </cs:fontRef>
+    <cs:spPr>
+      <a:ln w="9525" cap="flat" cmpd="sng" algn="ctr">
+        <a:solidFill>
+          <a:schemeClr val="tx1">
+            <a:lumMod val="35000"/>
+            <a:lumOff val="65000"/>
+          </a:schemeClr>
+        </a:solidFill>
+        <a:round/>
+      </a:ln>
+    </cs:spPr>
+  </cs:seriesLine>
+  <cs:title>
+    <cs:lnRef idx="0"/>
+    <cs:fillRef idx="0"/>
+    <cs:effectRef idx="0"/>
+    <cs:fontRef idx="minor">
+      <a:schemeClr val="tx1">
+        <a:lumMod val="65000"/>
+        <a:lumOff val="35000"/>
+      </a:schemeClr>
+    </cs:fontRef>
+    <cs:defRPr sz="1400" b="0" kern="1200" spc="0" baseline="0"/>
+  </cs:title>
+  <cs:trendline>
+    <cs:lnRef idx="0">
+      <cs:styleClr val="auto"/>
+    </cs:lnRef>
+    <cs:fillRef idx="0"/>
+    <cs:effectRef idx="0"/>
+    <cs:fontRef idx="minor">
+      <a:schemeClr val="tx1"/>
+    </cs:fontRef>
+    <cs:spPr>
+      <a:ln w="19050" cap="rnd">
+        <a:solidFill>
+          <a:schemeClr val="phClr"/>
+        </a:solidFill>
+        <a:prstDash val="sysDot"/>
+      </a:ln>
+    </cs:spPr>
+  </cs:trendline>
+  <cs:trendlineLabel>
+    <cs:lnRef idx="0"/>
+    <cs:fillRef idx="0"/>
+    <cs:effectRef idx="0"/>
+    <cs:fontRef idx="minor">
+      <a:schemeClr val="tx1">
+        <a:lumMod val="65000"/>
+        <a:lumOff val="35000"/>
+      </a:schemeClr>
+    </cs:fontRef>
+    <cs:defRPr sz="900" kern="1200"/>
+  </cs:trendlineLabel>
+  <cs:upBar>
+    <cs:lnRef idx="0"/>
+    <cs:fillRef idx="0"/>
+    <cs:effectRef idx="0"/>
+    <cs:fontRef idx="minor">
+      <a:schemeClr val="dk1"/>
+    </cs:fontRef>
+    <cs:spPr>
+      <a:solidFill>
+        <a:schemeClr val="lt1"/>
+      </a:solidFill>
+      <a:ln w="9525">
+        <a:solidFill>
+          <a:schemeClr val="tx1">
+            <a:lumMod val="15000"/>
+            <a:lumOff val="85000"/>
+          </a:schemeClr>
+        </a:solidFill>
+      </a:ln>
+    </cs:spPr>
+  </cs:upBar>
+  <cs:valueAxis>
+    <cs:lnRef idx="0"/>
+    <cs:fillRef idx="0"/>
+    <cs:effectRef idx="0"/>
+    <cs:fontRef idx="minor">
+      <a:schemeClr val="tx1">
+        <a:lumMod val="65000"/>
+        <a:lumOff val="35000"/>
+      </a:schemeClr>
+    </cs:fontRef>
+    <cs:defRPr sz="900" kern="1200"/>
+  </cs:valueAxis>
+  <cs:wall>
+    <cs:lnRef idx="0"/>
+    <cs:fillRef idx="0"/>
+    <cs:effectRef idx="0"/>
+    <cs:fontRef idx="minor">
+      <a:schemeClr val="tx1"/>
+    </cs:fontRef>
+    <cs:spPr>
+      <a:noFill/>
+      <a:ln>
+        <a:noFill/>
+      </a:ln>
+    </cs:spPr>
+  </cs:wall>
+</cs:chartStyle>
+</file>
+
+<file path=ppt/charts/style2.xml><?xml version="1.0" encoding="utf-8"?>
+<cs:chartStyle xmlns:cs="http://schemas.microsoft.com/office/drawing/2012/chartStyle" xmlns:a="http://schemas.openxmlformats.org/drawingml/2006/main" id="227">
+  <cs:axisTitle>
+    <cs:lnRef idx="0"/>
+    <cs:fillRef idx="0"/>
+    <cs:effectRef idx="0"/>
+    <cs:fontRef idx="minor">
+      <a:schemeClr val="tx1">
+        <a:lumMod val="65000"/>
+        <a:lumOff val="35000"/>
+      </a:schemeClr>
+    </cs:fontRef>
+    <cs:defRPr sz="1000" kern="1200"/>
+  </cs:axisTitle>
+  <cs:categoryAxis>
+    <cs:lnRef idx="0"/>
+    <cs:fillRef idx="0"/>
+    <cs:effectRef idx="0"/>
+    <cs:fontRef idx="minor">
+      <a:schemeClr val="tx1">
+        <a:lumMod val="65000"/>
+        <a:lumOff val="35000"/>
+      </a:schemeClr>
+    </cs:fontRef>
+    <cs:spPr>
+      <a:ln w="9525" cap="flat" cmpd="sng" algn="ctr">
+        <a:solidFill>
+          <a:schemeClr val="tx1">
+            <a:lumMod val="15000"/>
+            <a:lumOff val="85000"/>
+          </a:schemeClr>
+        </a:solidFill>
+        <a:round/>
+      </a:ln>
+    </cs:spPr>
+    <cs:defRPr sz="900" kern="1200"/>
+  </cs:categoryAxis>
+  <cs:chartArea mods="allowNoFillOverride allowNoLineOverride">
+    <cs:lnRef idx="0"/>
+    <cs:fillRef idx="0"/>
+    <cs:effectRef idx="0"/>
+    <cs:fontRef idx="minor">
+      <a:schemeClr val="tx1"/>
+    </cs:fontRef>
+    <cs:spPr>
+      <a:solidFill>
+        <a:schemeClr val="bg1"/>
+      </a:solidFill>
+      <a:ln w="9525" cap="flat" cmpd="sng" algn="ctr">
+        <a:solidFill>
+          <a:schemeClr val="tx1">
+            <a:lumMod val="15000"/>
+            <a:lumOff val="85000"/>
+          </a:schemeClr>
+        </a:solidFill>
+        <a:round/>
+      </a:ln>
+    </cs:spPr>
+    <cs:defRPr sz="1000" kern="1200"/>
+  </cs:chartArea>
+  <cs:dataLabel>
+    <cs:lnRef idx="0"/>
+    <cs:fillRef idx="0"/>
+    <cs:effectRef idx="0"/>
+    <cs:fontRef idx="minor">
+      <a:schemeClr val="tx1">
+        <a:lumMod val="75000"/>
+        <a:lumOff val="25000"/>
+      </a:schemeClr>
+    </cs:fontRef>
+    <cs:defRPr sz="900" kern="1200"/>
+  </cs:dataLabel>
+  <cs:dataLabelCallout>
+    <cs:lnRef idx="0"/>
+    <cs:fillRef idx="0"/>
+    <cs:effectRef idx="0"/>
+    <cs:fontRef idx="minor">
+      <a:schemeClr val="dk1">
+        <a:lumMod val="65000"/>
+        <a:lumOff val="35000"/>
+      </a:schemeClr>
+    </cs:fontRef>
+    <cs:spPr>
+      <a:solidFill>
+        <a:schemeClr val="lt1"/>
+      </a:solidFill>
+      <a:ln>
+        <a:solidFill>
+          <a:schemeClr val="dk1">
+            <a:lumMod val="25000"/>
+            <a:lumOff val="75000"/>
+          </a:schemeClr>
+        </a:solidFill>
+      </a:ln>
+    </cs:spPr>
+    <cs:defRPr sz="900" kern="1200"/>
+    <cs:bodyPr rot="0" spcFirstLastPara="1" vertOverflow="clip" horzOverflow="clip" vert="horz" wrap="square" lIns="36576" tIns="18288" rIns="36576" bIns="18288" anchor="ctr" anchorCtr="1">
+      <a:spAutoFit/>
+    </cs:bodyPr>
+  </cs:dataLabelCallout>
+  <cs:dataPoint>
+    <cs:lnRef idx="0"/>
+    <cs:fillRef idx="1">
+      <cs:styleClr val="auto"/>
+    </cs:fillRef>
+    <cs:effectRef idx="0"/>
+    <cs:fontRef idx="minor">
+      <a:schemeClr val="tx1"/>
+    </cs:fontRef>
+    <cs:spPr>
+      <a:solidFill>
+        <a:schemeClr val="phClr"/>
+      </a:solidFill>
+    </cs:spPr>
+  </cs:dataPoint>
+  <cs:dataPoint3D>
+    <cs:lnRef idx="0"/>
+    <cs:fillRef idx="1">
+      <cs:styleClr val="auto"/>
+    </cs:fillRef>
+    <cs:effectRef idx="0"/>
+    <cs:fontRef idx="minor">
+      <a:schemeClr val="tx1"/>
+    </cs:fontRef>
+    <cs:spPr>
+      <a:solidFill>
+        <a:schemeClr val="phClr"/>
+      </a:solidFill>
+    </cs:spPr>
+  </cs:dataPoint3D>
+  <cs:dataPointLine>
+    <cs:lnRef idx="0">
+      <cs:styleClr val="auto"/>
+    </cs:lnRef>
+    <cs:fillRef idx="1"/>
+    <cs:effectRef idx="0"/>
+    <cs:fontRef idx="minor">
+      <a:schemeClr val="tx1"/>
+    </cs:fontRef>
+    <cs:spPr>
+      <a:ln w="28575" cap="rnd">
+        <a:solidFill>
+          <a:schemeClr val="phClr"/>
+        </a:solidFill>
+        <a:round/>
+      </a:ln>
+    </cs:spPr>
+  </cs:dataPointLine>
+  <cs:dataPointMarker>
+    <cs:lnRef idx="0">
+      <cs:styleClr val="auto"/>
+    </cs:lnRef>
+    <cs:fillRef idx="1">
+      <cs:styleClr val="auto"/>
+    </cs:fillRef>
+    <cs:effectRef idx="0"/>
+    <cs:fontRef idx="minor">
+      <a:schemeClr val="tx1"/>
+    </cs:fontRef>
+    <cs:spPr>
+      <a:solidFill>
+        <a:schemeClr val="phClr"/>
+      </a:solidFill>
+      <a:ln w="9525">
+        <a:solidFill>
+          <a:schemeClr val="phClr"/>
+        </a:solidFill>
+      </a:ln>
+    </cs:spPr>
+  </cs:dataPointMarker>
+  <cs:dataPointMarkerLayout symbol="circle" size="5"/>
+  <cs:dataPointWireframe>
+    <cs:lnRef idx="0">
+      <cs:styleClr val="auto"/>
+    </cs:lnRef>
+    <cs:fillRef idx="1"/>
+    <cs:effectRef idx="0"/>
+    <cs:fontRef idx="minor">
+      <a:schemeClr val="tx1"/>
+    </cs:fontRef>
+    <cs:spPr>
+      <a:ln w="9525" cap="rnd">
+        <a:solidFill>
+          <a:schemeClr val="phClr"/>
+        </a:solidFill>
+        <a:round/>
+      </a:ln>
+    </cs:spPr>
+  </cs:dataPointWireframe>
+  <cs:dataTable>
+    <cs:lnRef idx="0"/>
+    <cs:fillRef idx="0"/>
+    <cs:effectRef idx="0"/>
+    <cs:fontRef idx="minor">
+      <a:schemeClr val="tx1">
+        <a:lumMod val="65000"/>
+        <a:lumOff val="35000"/>
+      </a:schemeClr>
+    </cs:fontRef>
+    <cs:spPr>
+      <a:noFill/>
+      <a:ln w="9525" cap="flat" cmpd="sng" algn="ctr">
+        <a:solidFill>
+          <a:schemeClr val="tx1">
+            <a:lumMod val="15000"/>
+            <a:lumOff val="85000"/>
+          </a:schemeClr>
+        </a:solidFill>
+        <a:round/>
+      </a:ln>
+    </cs:spPr>
+    <cs:defRPr sz="900" kern="1200"/>
+  </cs:dataTable>
+  <cs:downBar>
+    <cs:lnRef idx="0"/>
+    <cs:fillRef idx="0"/>
+    <cs:effectRef idx="0"/>
+    <cs:fontRef idx="minor">
+      <a:schemeClr val="dk1"/>
+    </cs:fontRef>
+    <cs:spPr>
+      <a:solidFill>
+        <a:schemeClr val="dk1">
+          <a:lumMod val="65000"/>
+          <a:lumOff val="35000"/>
+        </a:schemeClr>
+      </a:solidFill>
+      <a:ln w="9525">
+        <a:solidFill>
+          <a:schemeClr val="tx1">
+            <a:lumMod val="65000"/>
+            <a:lumOff val="35000"/>
+          </a:schemeClr>
+        </a:solidFill>
+      </a:ln>
+    </cs:spPr>
+  </cs:downBar>
+  <cs:dropLine>
+    <cs:lnRef idx="0"/>
+    <cs:fillRef idx="0"/>
+    <cs:effectRef idx="0"/>
+    <cs:fontRef idx="minor">
+      <a:schemeClr val="tx1"/>
+    </cs:fontRef>
+    <cs:spPr>
+      <a:ln w="9525" cap="flat" cmpd="sng" algn="ctr">
+        <a:solidFill>
+          <a:schemeClr val="tx1">
+            <a:lumMod val="35000"/>
+            <a:lumOff val="65000"/>
+          </a:schemeClr>
+        </a:solidFill>
+        <a:round/>
+      </a:ln>
+    </cs:spPr>
+  </cs:dropLine>
+  <cs:errorBar>
+    <cs:lnRef idx="0"/>
+    <cs:fillRef idx="0"/>
+    <cs:effectRef idx="0"/>
+    <cs:fontRef idx="minor">
+      <a:schemeClr val="tx1"/>
+    </cs:fontRef>
+    <cs:spPr>
+      <a:ln w="9525" cap="flat" cmpd="sng" algn="ctr">
+        <a:solidFill>
+          <a:schemeClr val="tx1">
+            <a:lumMod val="65000"/>
+            <a:lumOff val="35000"/>
+          </a:schemeClr>
+        </a:solidFill>
+        <a:round/>
+      </a:ln>
+    </cs:spPr>
+  </cs:errorBar>
+  <cs:floor>
+    <cs:lnRef idx="0"/>
+    <cs:fillRef idx="0"/>
+    <cs:effectRef idx="0"/>
+    <cs:fontRef idx="minor">
+      <a:schemeClr val="tx1"/>
+    </cs:fontRef>
+    <cs:spPr>
+      <a:noFill/>
+      <a:ln>
+        <a:noFill/>
+      </a:ln>
+    </cs:spPr>
+  </cs:floor>
+  <cs:gridlineMajor>
+    <cs:lnRef idx="0"/>
+    <cs:fillRef idx="0"/>
+    <cs:effectRef idx="0"/>
+    <cs:fontRef idx="minor">
+      <a:schemeClr val="tx1"/>
+    </cs:fontRef>
+    <cs:spPr>
+      <a:ln w="9525" cap="flat" cmpd="sng" algn="ctr">
+        <a:solidFill>
+          <a:schemeClr val="tx1">
+            <a:lumMod val="15000"/>
+            <a:lumOff val="85000"/>
+          </a:schemeClr>
+        </a:solidFill>
+        <a:round/>
+      </a:ln>
+    </cs:spPr>
+  </cs:gridlineMajor>
+  <cs:gridlineMinor>
+    <cs:lnRef idx="0"/>
+    <cs:fillRef idx="0"/>
+    <cs:effectRef idx="0"/>
+    <cs:fontRef idx="minor">
+      <a:schemeClr val="tx1"/>
+    </cs:fontRef>
+    <cs:spPr>
+      <a:ln w="9525" cap="flat" cmpd="sng" algn="ctr">
+        <a:solidFill>
+          <a:schemeClr val="tx1">
+            <a:lumMod val="5000"/>
+            <a:lumOff val="95000"/>
+          </a:schemeClr>
+        </a:solidFill>
+        <a:round/>
+      </a:ln>
+    </cs:spPr>
+  </cs:gridlineMinor>
+  <cs:hiLoLine>
+    <cs:lnRef idx="0"/>
+    <cs:fillRef idx="0"/>
+    <cs:effectRef idx="0"/>
+    <cs:fontRef idx="minor">
+      <a:schemeClr val="tx1"/>
+    </cs:fontRef>
+    <cs:spPr>
+      <a:ln w="9525" cap="flat" cmpd="sng" algn="ctr">
+        <a:solidFill>
+          <a:schemeClr val="tx1">
+            <a:lumMod val="75000"/>
+            <a:lumOff val="25000"/>
+          </a:schemeClr>
+        </a:solidFill>
+        <a:round/>
+      </a:ln>
+    </cs:spPr>
+  </cs:hiLoLine>
+  <cs:leaderLine>
+    <cs:lnRef idx="0"/>
+    <cs:fillRef idx="0"/>
+    <cs:effectRef idx="0"/>
+    <cs:fontRef idx="minor">
+      <a:schemeClr val="tx1"/>
+    </cs:fontRef>
+    <cs:spPr>
+      <a:ln w="9525" cap="flat" cmpd="sng" algn="ctr">
+        <a:solidFill>
+          <a:schemeClr val="tx1">
+            <a:lumMod val="35000"/>
+            <a:lumOff val="65000"/>
+          </a:schemeClr>
+        </a:solidFill>
+        <a:round/>
+      </a:ln>
+    </cs:spPr>
+  </cs:leaderLine>
+  <cs:legend>
+    <cs:lnRef idx="0"/>
+    <cs:fillRef idx="0"/>
+    <cs:effectRef idx="0"/>
+    <cs:fontRef idx="minor">
+      <a:schemeClr val="tx1">
+        <a:lumMod val="65000"/>
+        <a:lumOff val="35000"/>
+      </a:schemeClr>
+    </cs:fontRef>
+    <cs:defRPr sz="900" kern="1200"/>
+  </cs:legend>
+  <cs:plotArea mods="allowNoFillOverride allowNoLineOverride">
+    <cs:lnRef idx="0"/>
+    <cs:fillRef idx="0"/>
+    <cs:effectRef idx="0"/>
+    <cs:fontRef idx="minor">
+      <a:schemeClr val="tx1"/>
+    </cs:fontRef>
+  </cs:plotArea>
+  <cs:plotArea3D mods="allowNoFillOverride allowNoLineOverride">
+    <cs:lnRef idx="0"/>
+    <cs:fillRef idx="0"/>
+    <cs:effectRef idx="0"/>
+    <cs:fontRef idx="minor">
+      <a:schemeClr val="tx1"/>
+    </cs:fontRef>
+  </cs:plotArea3D>
+  <cs:seriesAxis>
+    <cs:lnRef idx="0"/>
+    <cs:fillRef idx="0"/>
+    <cs:effectRef idx="0"/>
+    <cs:fontRef idx="minor">
+      <a:schemeClr val="tx1">
+        <a:lumMod val="65000"/>
+        <a:lumOff val="35000"/>
+      </a:schemeClr>
+    </cs:fontRef>
+    <cs:defRPr sz="900" kern="1200"/>
+  </cs:seriesAxis>
+  <cs:seriesLine>
+    <cs:lnRef idx="0"/>
+    <cs:fillRef idx="0"/>
+    <cs:effectRef idx="0"/>
+    <cs:fontRef idx="minor">
+      <a:schemeClr val="tx1"/>
+    </cs:fontRef>
+    <cs:spPr>
+      <a:ln w="9525" cap="flat" cmpd="sng" algn="ctr">
+        <a:solidFill>
+          <a:schemeClr val="tx1">
+            <a:lumMod val="35000"/>
+            <a:lumOff val="65000"/>
+          </a:schemeClr>
+        </a:solidFill>
+        <a:round/>
+      </a:ln>
+    </cs:spPr>
+  </cs:seriesLine>
+  <cs:title>
+    <cs:lnRef idx="0"/>
+    <cs:fillRef idx="0"/>
+    <cs:effectRef idx="0"/>
+    <cs:fontRef idx="minor">
+      <a:schemeClr val="tx1">
+        <a:lumMod val="65000"/>
+        <a:lumOff val="35000"/>
+      </a:schemeClr>
+    </cs:fontRef>
+    <cs:defRPr sz="1400" b="0" kern="1200" spc="0" baseline="0"/>
+  </cs:title>
+  <cs:trendline>
+    <cs:lnRef idx="0">
+      <cs:styleClr val="auto"/>
+    </cs:lnRef>
+    <cs:fillRef idx="0"/>
+    <cs:effectRef idx="0"/>
+    <cs:fontRef idx="minor">
+      <a:schemeClr val="tx1"/>
+    </cs:fontRef>
+    <cs:spPr>
+      <a:ln w="19050" cap="rnd">
+        <a:solidFill>
+          <a:schemeClr val="phClr"/>
+        </a:solidFill>
+        <a:prstDash val="sysDot"/>
+      </a:ln>
+    </cs:spPr>
+  </cs:trendline>
+  <cs:trendlineLabel>
+    <cs:lnRef idx="0"/>
+    <cs:fillRef idx="0"/>
+    <cs:effectRef idx="0"/>
+    <cs:fontRef idx="minor">
+      <a:schemeClr val="tx1">
+        <a:lumMod val="65000"/>
+        <a:lumOff val="35000"/>
+      </a:schemeClr>
+    </cs:fontRef>
+    <cs:defRPr sz="900" kern="1200"/>
+  </cs:trendlineLabel>
+  <cs:upBar>
+    <cs:lnRef idx="0"/>
+    <cs:fillRef idx="0"/>
+    <cs:effectRef idx="0"/>
+    <cs:fontRef idx="minor">
+      <a:schemeClr val="dk1"/>
+    </cs:fontRef>
+    <cs:spPr>
+      <a:solidFill>
+        <a:schemeClr val="lt1"/>
+      </a:solidFill>
+      <a:ln w="9525">
+        <a:solidFill>
+          <a:schemeClr val="tx1">
+            <a:lumMod val="15000"/>
+            <a:lumOff val="85000"/>
+          </a:schemeClr>
+        </a:solidFill>
+      </a:ln>
+    </cs:spPr>
+  </cs:upBar>
+  <cs:valueAxis>
+    <cs:lnRef idx="0"/>
+    <cs:fillRef idx="0"/>
+    <cs:effectRef idx="0"/>
+    <cs:fontRef idx="minor">
+      <a:schemeClr val="tx1">
+        <a:lumMod val="65000"/>
+        <a:lumOff val="35000"/>
+      </a:schemeClr>
+    </cs:fontRef>
+    <cs:defRPr sz="900" kern="1200"/>
+  </cs:valueAxis>
+  <cs:wall>
+    <cs:lnRef idx="0"/>
+    <cs:fillRef idx="0"/>
+    <cs:effectRef idx="0"/>
+    <cs:fontRef idx="minor">
+      <a:schemeClr val="tx1"/>
+    </cs:fontRef>
+    <cs:spPr>
+      <a:noFill/>
+      <a:ln>
+        <a:noFill/>
+      </a:ln>
+    </cs:spPr>
+  </cs:wall>
+</cs:chartStyle>
 </file>
 
 <file path=ppt/ink/ink1.xml><?xml version="1.0" encoding="utf-8"?>
@@ -4066,236 +6164,6 @@
           <p:cNvPr id="2" name="Title 1">
             <a:extLst>
               <a:ext uri="{FF2B5EF4-FFF2-40B4-BE49-F238E27FC236}">
-                <a16:creationId xmlns:a16="http://schemas.microsoft.com/office/drawing/2014/main" id="{6B6AA9E8-FD84-4DBC-BC32-916E26E2C749}"/>
-              </a:ext>
-            </a:extLst>
-          </p:cNvPr>
-          <p:cNvSpPr>
-            <a:spLocks noGrp="1"/>
-          </p:cNvSpPr>
-          <p:nvPr>
-            <p:ph type="title"/>
-          </p:nvPr>
-        </p:nvSpPr>
-        <p:spPr/>
-        <p:txBody>
-          <a:bodyPr/>
-          <a:lstStyle/>
-          <a:p>
-            <a:r>
-              <a:rPr lang="en-US" dirty="0"/>
-              <a:t>NEXT GENERATION (4</a:t>
-            </a:r>
-            <a:r>
-              <a:rPr lang="en-US" baseline="30000" dirty="0"/>
-              <a:t>th</a:t>
-            </a:r>
-            <a:r>
-              <a:rPr lang="en-US" dirty="0"/>
-              <a:t>)</a:t>
-            </a:r>
-          </a:p>
-        </p:txBody>
-      </p:sp>
-      <p:sp>
-        <p:nvSpPr>
-          <p:cNvPr id="3" name="Content Placeholder 2">
-            <a:extLst>
-              <a:ext uri="{FF2B5EF4-FFF2-40B4-BE49-F238E27FC236}">
-                <a16:creationId xmlns:a16="http://schemas.microsoft.com/office/drawing/2014/main" id="{FEBC69FF-E7F6-4757-B7D5-87EECF0A120D}"/>
-              </a:ext>
-            </a:extLst>
-          </p:cNvPr>
-          <p:cNvSpPr>
-            <a:spLocks noGrp="1"/>
-          </p:cNvSpPr>
-          <p:nvPr>
-            <p:ph idx="1"/>
-          </p:nvPr>
-        </p:nvSpPr>
-        <p:spPr/>
-        <p:txBody>
-          <a:bodyPr>
-            <a:normAutofit fontScale="92500" lnSpcReduction="10000"/>
-          </a:bodyPr>
-          <a:lstStyle/>
-          <a:p>
-            <a:pPr marL="457200" indent="-457200">
-              <a:buFont typeface="+mj-lt"/>
-              <a:buAutoNum type="arabicPeriod"/>
-            </a:pPr>
-            <a:r>
-              <a:rPr lang="en-US" dirty="0">
-                <a:solidFill>
-                  <a:schemeClr val="tx1"/>
-                </a:solidFill>
-              </a:rPr>
-              <a:t>chromosome   C = [72, 2]</a:t>
-            </a:r>
-          </a:p>
-          <a:p>
-            <a:pPr marL="457200" indent="-457200">
-              <a:buFont typeface="+mj-lt"/>
-              <a:buAutoNum type="arabicPeriod"/>
-            </a:pPr>
-            <a:r>
-              <a:rPr lang="en-US" dirty="0">
-                <a:solidFill>
-                  <a:schemeClr val="tx1"/>
-                </a:solidFill>
-              </a:rPr>
-              <a:t>chromosome   C = [72, 2]</a:t>
-            </a:r>
-          </a:p>
-          <a:p>
-            <a:pPr marL="457200" indent="-457200">
-              <a:buFont typeface="+mj-lt"/>
-              <a:buAutoNum type="arabicPeriod"/>
-            </a:pPr>
-            <a:r>
-              <a:rPr lang="en-US" dirty="0">
-                <a:solidFill>
-                  <a:schemeClr val="tx1"/>
-                </a:solidFill>
-              </a:rPr>
-              <a:t>chromosome   C = [72, 2]</a:t>
-            </a:r>
-          </a:p>
-          <a:p>
-            <a:pPr marL="457200" indent="-457200">
-              <a:buFont typeface="+mj-lt"/>
-              <a:buAutoNum type="arabicPeriod"/>
-            </a:pPr>
-            <a:r>
-              <a:rPr lang="en-US" dirty="0">
-                <a:solidFill>
-                  <a:schemeClr val="tx1"/>
-                </a:solidFill>
-              </a:rPr>
-              <a:t>chromosome   C = [72, 2]</a:t>
-            </a:r>
-          </a:p>
-          <a:p>
-            <a:pPr marL="457200" indent="-457200">
-              <a:buFont typeface="+mj-lt"/>
-              <a:buAutoNum type="arabicPeriod"/>
-            </a:pPr>
-            <a:r>
-              <a:rPr lang="en-US" dirty="0">
-                <a:solidFill>
-                  <a:schemeClr val="tx1"/>
-                </a:solidFill>
-              </a:rPr>
-              <a:t>chromosome   C = [72, 2]</a:t>
-            </a:r>
-          </a:p>
-          <a:p>
-            <a:pPr marL="457200" indent="-457200">
-              <a:buFont typeface="+mj-lt"/>
-              <a:buAutoNum type="arabicPeriod"/>
-            </a:pPr>
-            <a:r>
-              <a:rPr lang="en-US" dirty="0">
-                <a:solidFill>
-                  <a:schemeClr val="tx1"/>
-                </a:solidFill>
-              </a:rPr>
-              <a:t>chromosome   C = [72, 2]</a:t>
-            </a:r>
-          </a:p>
-          <a:p>
-            <a:pPr marL="457200" indent="-457200">
-              <a:buFont typeface="+mj-lt"/>
-              <a:buAutoNum type="arabicPeriod"/>
-            </a:pPr>
-            <a:r>
-              <a:rPr lang="en-US" dirty="0">
-                <a:solidFill>
-                  <a:schemeClr val="tx1"/>
-                </a:solidFill>
-              </a:rPr>
-              <a:t>chromosome   C = [72, 2]</a:t>
-            </a:r>
-          </a:p>
-          <a:p>
-            <a:pPr marL="457200" indent="-457200">
-              <a:buFont typeface="+mj-lt"/>
-              <a:buAutoNum type="arabicPeriod"/>
-            </a:pPr>
-            <a:r>
-              <a:rPr lang="en-US" dirty="0">
-                <a:solidFill>
-                  <a:schemeClr val="tx1"/>
-                </a:solidFill>
-              </a:rPr>
-              <a:t>chromosome   C = [72, 2]</a:t>
-            </a:r>
-          </a:p>
-          <a:p>
-            <a:pPr marL="457200" indent="-457200">
-              <a:buFont typeface="+mj-lt"/>
-              <a:buAutoNum type="arabicPeriod"/>
-            </a:pPr>
-            <a:r>
-              <a:rPr lang="en-US" dirty="0">
-                <a:solidFill>
-                  <a:schemeClr val="tx1"/>
-                </a:solidFill>
-              </a:rPr>
-              <a:t>chromosome   C = [72, 2]</a:t>
-            </a:r>
-          </a:p>
-          <a:p>
-            <a:pPr marL="457200" indent="-457200">
-              <a:buFont typeface="+mj-lt"/>
-              <a:buAutoNum type="arabicPeriod"/>
-            </a:pPr>
-            <a:r>
-              <a:rPr lang="en-US" dirty="0">
-                <a:solidFill>
-                  <a:schemeClr val="tx1"/>
-                </a:solidFill>
-              </a:rPr>
-              <a:t>chromosome   C = [72, 2]</a:t>
-            </a:r>
-          </a:p>
-        </p:txBody>
-      </p:sp>
-    </p:spTree>
-    <p:extLst>
-      <p:ext uri="{BB962C8B-B14F-4D97-AF65-F5344CB8AC3E}">
-        <p14:creationId xmlns:p14="http://schemas.microsoft.com/office/powerpoint/2010/main" val="3305913416"/>
-      </p:ext>
-    </p:extLst>
-  </p:cSld>
-  <p:clrMapOvr>
-    <a:masterClrMapping/>
-  </p:clrMapOvr>
-</p:sld>
-</file>
-
-<file path=ppt/slides/slide11.xml><?xml version="1.0" encoding="utf-8"?>
-<p:sld xmlns:a="http://schemas.openxmlformats.org/drawingml/2006/main" xmlns:r="http://schemas.openxmlformats.org/officeDocument/2006/relationships" xmlns:p="http://schemas.openxmlformats.org/presentationml/2006/main">
-  <p:cSld>
-    <p:spTree>
-      <p:nvGrpSpPr>
-        <p:cNvPr id="1" name=""/>
-        <p:cNvGrpSpPr/>
-        <p:nvPr/>
-      </p:nvGrpSpPr>
-      <p:grpSpPr>
-        <a:xfrm>
-          <a:off x="0" y="0"/>
-          <a:ext cx="0" cy="0"/>
-          <a:chOff x="0" y="0"/>
-          <a:chExt cx="0" cy="0"/>
-        </a:xfrm>
-      </p:grpSpPr>
-      <p:sp>
-        <p:nvSpPr>
-          <p:cNvPr id="2" name="Title 1">
-            <a:extLst>
-              <a:ext uri="{FF2B5EF4-FFF2-40B4-BE49-F238E27FC236}">
                 <a16:creationId xmlns:a16="http://schemas.microsoft.com/office/drawing/2014/main" id="{CBA6B9B4-B0B5-4D9D-9408-EFAFCC66515A}"/>
               </a:ext>
             </a:extLst>
@@ -4352,16 +6220,16 @@
               <a:buChar char="•"/>
             </a:pPr>
             <a:r>
-              <a:rPr lang="en-US" sz="2800" dirty="0"/>
-              <a:t>For generation 4</a:t>
-            </a:r>
-            <a:r>
-              <a:rPr lang="en-US" sz="2800" baseline="30000" dirty="0"/>
-              <a:t>th</a:t>
-            </a:r>
-            <a:r>
-              <a:rPr lang="en-US" sz="2800" dirty="0"/>
-              <a:t>: </a:t>
+              <a:rPr lang="en-US" sz="2000" dirty="0"/>
+              <a:t>For generation 3</a:t>
+            </a:r>
+            <a:r>
+              <a:rPr lang="en-US" sz="2000" baseline="30000" dirty="0"/>
+              <a:t>rd</a:t>
+            </a:r>
+            <a:r>
+              <a:rPr lang="en-US" sz="2000" dirty="0"/>
+              <a:t> : </a:t>
             </a:r>
           </a:p>
           <a:p>
@@ -4370,16 +6238,8 @@
               <a:buChar char="•"/>
             </a:pPr>
             <a:r>
-              <a:rPr lang="en-US" sz="2800" dirty="0"/>
-              <a:t>Best chromosome   C4 =    </a:t>
-            </a:r>
-            <a:r>
-              <a:rPr lang="en-US" sz="2800"/>
-              <a:t>[72, </a:t>
-            </a:r>
-            <a:r>
-              <a:rPr lang="en-US" sz="2800" dirty="0"/>
-              <a:t>2]</a:t>
+              <a:rPr lang="en-US" sz="2000" dirty="0"/>
+              <a:t>Best chromosome [72, 2] with 5/5 games win</a:t>
             </a:r>
           </a:p>
           <a:p>
@@ -4388,8 +6248,8 @@
               <a:buChar char="•"/>
             </a:pPr>
             <a:r>
-              <a:rPr lang="en-US" sz="2800" dirty="0"/>
-              <a:t>Best performance    F = 18</a:t>
+              <a:rPr lang="en-US" sz="2000" dirty="0"/>
+              <a:t>Best performance    F = 20 games win</a:t>
             </a:r>
           </a:p>
           <a:p>
@@ -4398,8 +6258,8 @@
               <a:buChar char="•"/>
             </a:pPr>
             <a:r>
-              <a:rPr lang="en-US" sz="2800" dirty="0"/>
-              <a:t>Average performance    F = 16.5</a:t>
+              <a:rPr lang="en-US" sz="2000" dirty="0"/>
+              <a:t>Average performance    F = (15+19+20)/3 = 18 games win</a:t>
             </a:r>
           </a:p>
           <a:p>
@@ -4407,10 +6267,79 @@
               <a:buFont typeface="Arial" panose="020B0604020202020204" pitchFamily="34" charset="0"/>
               <a:buChar char="•"/>
             </a:pPr>
+            <a:r>
+              <a:rPr lang="en-US" sz="2000" dirty="0"/>
+              <a:t>No mutation was found due to the mutation probability</a:t>
+            </a:r>
+          </a:p>
+          <a:p>
+            <a:pPr marL="566928" lvl="3" indent="0">
+              <a:buNone/>
+            </a:pPr>
             <a:endParaRPr lang="en-US" sz="2000" dirty="0"/>
           </a:p>
         </p:txBody>
       </p:sp>
+      <p:graphicFrame>
+        <p:nvGraphicFramePr>
+          <p:cNvPr id="4" name="Chart 3">
+            <a:extLst>
+              <a:ext uri="{FF2B5EF4-FFF2-40B4-BE49-F238E27FC236}">
+                <a16:creationId xmlns:a16="http://schemas.microsoft.com/office/drawing/2014/main" id="{0FC49BBC-7F7D-4C33-8FED-0AF554DFB770}"/>
+              </a:ext>
+            </a:extLst>
+          </p:cNvPr>
+          <p:cNvGraphicFramePr>
+            <a:graphicFrameLocks/>
+          </p:cNvGraphicFramePr>
+          <p:nvPr>
+            <p:extLst>
+              <p:ext uri="{D42A27DB-BD31-4B8C-83A1-F6EECF244321}">
+                <p14:modId xmlns:p14="http://schemas.microsoft.com/office/powerpoint/2010/main" val="2637645753"/>
+              </p:ext>
+            </p:extLst>
+          </p:nvPr>
+        </p:nvGraphicFramePr>
+        <p:xfrm>
+          <a:off x="1275473" y="3491918"/>
+          <a:ext cx="4572000" cy="2743200"/>
+        </p:xfrm>
+        <a:graphic>
+          <a:graphicData uri="http://schemas.openxmlformats.org/drawingml/2006/chart">
+            <c:chart xmlns:c="http://schemas.openxmlformats.org/drawingml/2006/chart" xmlns:r="http://schemas.openxmlformats.org/officeDocument/2006/relationships" r:id="rId2"/>
+          </a:graphicData>
+        </a:graphic>
+      </p:graphicFrame>
+      <p:graphicFrame>
+        <p:nvGraphicFramePr>
+          <p:cNvPr id="5" name="Chart 4">
+            <a:extLst>
+              <a:ext uri="{FF2B5EF4-FFF2-40B4-BE49-F238E27FC236}">
+                <a16:creationId xmlns:a16="http://schemas.microsoft.com/office/drawing/2014/main" id="{D5DBAD70-A12B-4FC0-AE3D-9BBE5295211B}"/>
+              </a:ext>
+            </a:extLst>
+          </p:cNvPr>
+          <p:cNvGraphicFramePr>
+            <a:graphicFrameLocks/>
+          </p:cNvGraphicFramePr>
+          <p:nvPr>
+            <p:extLst>
+              <p:ext uri="{D42A27DB-BD31-4B8C-83A1-F6EECF244321}">
+                <p14:modId xmlns:p14="http://schemas.microsoft.com/office/powerpoint/2010/main" val="2758991309"/>
+              </p:ext>
+            </p:extLst>
+          </p:nvPr>
+        </p:nvGraphicFramePr>
+        <p:xfrm>
+          <a:off x="6025666" y="3453818"/>
+          <a:ext cx="4572000" cy="2743200"/>
+        </p:xfrm>
+        <a:graphic>
+          <a:graphicData uri="http://schemas.openxmlformats.org/drawingml/2006/chart">
+            <c:chart xmlns:c="http://schemas.openxmlformats.org/drawingml/2006/chart" xmlns:r="http://schemas.openxmlformats.org/officeDocument/2006/relationships" r:id="rId3"/>
+          </a:graphicData>
+        </a:graphic>
+      </p:graphicFrame>
     </p:spTree>
     <p:extLst>
       <p:ext uri="{BB962C8B-B14F-4D97-AF65-F5344CB8AC3E}">
@@ -4424,7 +6353,7 @@
 </p:sld>
 </file>
 
-<file path=ppt/slides/slide12.xml><?xml version="1.0" encoding="utf-8"?>
+<file path=ppt/slides/slide11.xml><?xml version="1.0" encoding="utf-8"?>
 <p:sld xmlns:a="http://schemas.openxmlformats.org/drawingml/2006/main" xmlns:r="http://schemas.openxmlformats.org/officeDocument/2006/relationships" xmlns:p="http://schemas.openxmlformats.org/presentationml/2006/main">
   <p:cSld>
     <p:spTree>
@@ -7015,15 +8944,7 @@
             </a:pPr>
             <a:r>
               <a:rPr lang="en-US" sz="2400" dirty="0"/>
-              <a:t>Range: 	69 &lt; Ca &lt; 151, 0   &lt; </a:t>
-            </a:r>
-            <a:r>
-              <a:rPr lang="en-US" sz="2400" dirty="0" err="1"/>
-              <a:t>Cb</a:t>
-            </a:r>
-            <a:r>
-              <a:rPr lang="en-US" sz="2400" dirty="0"/>
-              <a:t> &lt; 4</a:t>
+              <a:t>Range: 	69 &lt; a &lt; 151, 0   &lt; b &lt; 4</a:t>
             </a:r>
           </a:p>
           <a:p>
@@ -7043,7 +8964,7 @@
             </a:pPr>
             <a:r>
               <a:rPr lang="en-US" sz="2400" dirty="0"/>
-              <a:t>Generations: 4 generations</a:t>
+              <a:t>Mutation probability = 0.01 </a:t>
             </a:r>
           </a:p>
           <a:p>
@@ -7053,7 +8974,7 @@
             </a:pPr>
             <a:r>
               <a:rPr lang="en-US" sz="2400" dirty="0"/>
-              <a:t>Target chromosome C = [75, 2]</a:t>
+              <a:t>With each chromosome, we will test the function with 5 games</a:t>
             </a:r>
           </a:p>
           <a:p>
@@ -7063,7 +8984,7 @@
             </a:pPr>
             <a:r>
               <a:rPr lang="en-US" sz="2400" dirty="0"/>
-              <a:t>Mutation probability = 0.01 </a:t>
+              <a:t>Always select top 4 chromosomes</a:t>
             </a:r>
           </a:p>
           <a:p>
@@ -7073,8 +8994,25 @@
             </a:pPr>
             <a:r>
               <a:rPr lang="en-US" sz="2400" dirty="0"/>
-              <a:t>Always select top 4 chromosomes</a:t>
-            </a:r>
+              <a:t>Combining crossover and mutation to create 6 offspring </a:t>
+            </a:r>
+          </a:p>
+          <a:p>
+            <a:pPr marL="566928" lvl="3" indent="0">
+              <a:buNone/>
+            </a:pPr>
+            <a:r>
+              <a:rPr lang="en-US" sz="2400" dirty="0">
+                <a:sym typeface="Wingdings" panose="05000000000000000000" pitchFamily="2" charset="2"/>
+              </a:rPr>
+              <a:t> New population</a:t>
+            </a:r>
+          </a:p>
+          <a:p>
+            <a:pPr marL="566928" lvl="3" indent="0">
+              <a:buNone/>
+            </a:pPr>
+            <a:endParaRPr lang="en-US" sz="2400" dirty="0"/>
           </a:p>
           <a:p>
             <a:pPr marL="1471400" lvl="8" indent="0">
@@ -7172,12 +9110,12 @@
         <p:spPr>
           <a:xfrm>
             <a:off x="1097280" y="1861410"/>
-            <a:ext cx="10058400" cy="4356510"/>
+            <a:ext cx="5271436" cy="4356510"/>
           </a:xfrm>
         </p:spPr>
         <p:txBody>
           <a:bodyPr>
-            <a:normAutofit lnSpcReduction="10000"/>
+            <a:normAutofit fontScale="92500"/>
           </a:bodyPr>
           <a:lstStyle/>
           <a:p>
@@ -7187,7 +9125,7 @@
             </a:pPr>
             <a:r>
               <a:rPr lang="en-US" dirty="0"/>
-              <a:t>chromosome   C = [134, 3]</a:t>
+              <a:t>chromosome   C = [134, 3]	: 1/5 games win</a:t>
             </a:r>
           </a:p>
           <a:p>
@@ -7201,7 +9139,7 @@
                   <a:srgbClr val="FF0000"/>
                 </a:solidFill>
               </a:rPr>
-              <a:t>chromosome   C = [97, 3]</a:t>
+              <a:t>chromosome   C = [97, 3]	: 3/5 games win</a:t>
             </a:r>
           </a:p>
           <a:p>
@@ -7215,7 +9153,7 @@
                   <a:srgbClr val="FF0000"/>
                 </a:solidFill>
               </a:rPr>
-              <a:t>chromosome   C = [72, 2]</a:t>
+              <a:t>chromosome   C = [72, 2]	: 5/5 games win</a:t>
             </a:r>
           </a:p>
           <a:p>
@@ -7225,7 +9163,7 @@
             </a:pPr>
             <a:r>
               <a:rPr lang="en-US" dirty="0"/>
-              <a:t>chromosome   C = [104, 3]</a:t>
+              <a:t>chromosome   C = [104, 3]	: 2/5 games win</a:t>
             </a:r>
           </a:p>
           <a:p>
@@ -7235,7 +9173,7 @@
             </a:pPr>
             <a:r>
               <a:rPr lang="en-US" dirty="0"/>
-              <a:t>chromosome   C = [100, 2]</a:t>
+              <a:t>chromosome   C = [100, 2]	: 2/5 games win</a:t>
             </a:r>
           </a:p>
           <a:p>
@@ -7249,7 +9187,7 @@
                   <a:srgbClr val="FF0000"/>
                 </a:solidFill>
               </a:rPr>
-              <a:t>chromosome   C = [95, 1]</a:t>
+              <a:t>chromosome   C = [95, 1]	: 3/5 games win</a:t>
             </a:r>
           </a:p>
           <a:p>
@@ -7259,7 +9197,7 @@
             </a:pPr>
             <a:r>
               <a:rPr lang="en-US" dirty="0"/>
-              <a:t>chromosome   C = [110, 1]</a:t>
+              <a:t>chromosome   C = [110, 1]	: 1/5 games win</a:t>
             </a:r>
           </a:p>
           <a:p>
@@ -7273,7 +9211,7 @@
                   <a:srgbClr val="FF0000"/>
                 </a:solidFill>
               </a:rPr>
-              <a:t>chromosome   C = [91, 2]</a:t>
+              <a:t>chromosome   C = [91, 2]	: 4/5 games win</a:t>
             </a:r>
           </a:p>
           <a:p>
@@ -7283,7 +9221,7 @@
             </a:pPr>
             <a:r>
               <a:rPr lang="en-US" dirty="0"/>
-              <a:t>chromosome   C = [102, 3]  </a:t>
+              <a:t>chromosome   C = [102, 3]  	: 2/5 games win</a:t>
             </a:r>
           </a:p>
           <a:p>
@@ -7293,7 +9231,345 @@
             </a:pPr>
             <a:r>
               <a:rPr lang="en-US" dirty="0"/>
-              <a:t>chromosome   C = [143, 3]</a:t>
+              <a:t>chromosome   C = [143, 3]	: 1/5 games win</a:t>
+            </a:r>
+          </a:p>
+        </p:txBody>
+      </p:sp>
+      <p:sp>
+        <p:nvSpPr>
+          <p:cNvPr id="4" name="Content Placeholder 2">
+            <a:extLst>
+              <a:ext uri="{FF2B5EF4-FFF2-40B4-BE49-F238E27FC236}">
+                <a16:creationId xmlns:a16="http://schemas.microsoft.com/office/drawing/2014/main" id="{17DC6A21-D8B3-46A6-81D5-4BD0B3C9F852}"/>
+              </a:ext>
+            </a:extLst>
+          </p:cNvPr>
+          <p:cNvSpPr txBox="1">
+            <a:spLocks/>
+          </p:cNvSpPr>
+          <p:nvPr/>
+        </p:nvSpPr>
+        <p:spPr>
+          <a:xfrm>
+            <a:off x="6777789" y="1861410"/>
+            <a:ext cx="4708358" cy="4356510"/>
+          </a:xfrm>
+          <a:prstGeom prst="rect">
+            <a:avLst/>
+          </a:prstGeom>
+        </p:spPr>
+        <p:txBody>
+          <a:bodyPr vert="horz" lIns="0" tIns="45720" rIns="0" bIns="45720" rtlCol="0">
+            <a:normAutofit/>
+          </a:bodyPr>
+          <a:lstStyle>
+            <a:lvl1pPr marL="91440" indent="-91440" algn="l" defTabSz="914400" rtl="0" eaLnBrk="1" latinLnBrk="0" hangingPunct="1">
+              <a:lnSpc>
+                <a:spcPct val="90000"/>
+              </a:lnSpc>
+              <a:spcBef>
+                <a:spcPts val="1200"/>
+              </a:spcBef>
+              <a:spcAft>
+                <a:spcPts val="200"/>
+              </a:spcAft>
+              <a:buClr>
+                <a:schemeClr val="accent1"/>
+              </a:buClr>
+              <a:buSzPct val="100000"/>
+              <a:buFont typeface="Calibri" panose="020F0502020204030204" pitchFamily="34" charset="0"/>
+              <a:buChar char=" "/>
+              <a:defRPr sz="2000" kern="1200">
+                <a:solidFill>
+                  <a:schemeClr val="tx1">
+                    <a:lumMod val="75000"/>
+                    <a:lumOff val="25000"/>
+                  </a:schemeClr>
+                </a:solidFill>
+                <a:latin typeface="+mn-lt"/>
+                <a:ea typeface="+mn-ea"/>
+                <a:cs typeface="+mn-cs"/>
+              </a:defRPr>
+            </a:lvl1pPr>
+            <a:lvl2pPr marL="384048" indent="-182880" algn="l" defTabSz="914400" rtl="0" eaLnBrk="1" latinLnBrk="0" hangingPunct="1">
+              <a:lnSpc>
+                <a:spcPct val="90000"/>
+              </a:lnSpc>
+              <a:spcBef>
+                <a:spcPts val="200"/>
+              </a:spcBef>
+              <a:spcAft>
+                <a:spcPts val="400"/>
+              </a:spcAft>
+              <a:buClr>
+                <a:schemeClr val="accent1"/>
+              </a:buClr>
+              <a:buFont typeface="Calibri" pitchFamily="34" charset="0"/>
+              <a:buChar char="◦"/>
+              <a:defRPr sz="1800" kern="1200">
+                <a:solidFill>
+                  <a:schemeClr val="tx1">
+                    <a:lumMod val="75000"/>
+                    <a:lumOff val="25000"/>
+                  </a:schemeClr>
+                </a:solidFill>
+                <a:latin typeface="+mn-lt"/>
+                <a:ea typeface="+mn-ea"/>
+                <a:cs typeface="+mn-cs"/>
+              </a:defRPr>
+            </a:lvl2pPr>
+            <a:lvl3pPr marL="566928" indent="-182880" algn="l" defTabSz="914400" rtl="0" eaLnBrk="1" latinLnBrk="0" hangingPunct="1">
+              <a:lnSpc>
+                <a:spcPct val="90000"/>
+              </a:lnSpc>
+              <a:spcBef>
+                <a:spcPts val="200"/>
+              </a:spcBef>
+              <a:spcAft>
+                <a:spcPts val="400"/>
+              </a:spcAft>
+              <a:buClr>
+                <a:schemeClr val="accent1"/>
+              </a:buClr>
+              <a:buFont typeface="Calibri" pitchFamily="34" charset="0"/>
+              <a:buChar char="◦"/>
+              <a:defRPr sz="1400" kern="1200">
+                <a:solidFill>
+                  <a:schemeClr val="tx1">
+                    <a:lumMod val="75000"/>
+                    <a:lumOff val="25000"/>
+                  </a:schemeClr>
+                </a:solidFill>
+                <a:latin typeface="+mn-lt"/>
+                <a:ea typeface="+mn-ea"/>
+                <a:cs typeface="+mn-cs"/>
+              </a:defRPr>
+            </a:lvl3pPr>
+            <a:lvl4pPr marL="749808" indent="-182880" algn="l" defTabSz="914400" rtl="0" eaLnBrk="1" latinLnBrk="0" hangingPunct="1">
+              <a:lnSpc>
+                <a:spcPct val="90000"/>
+              </a:lnSpc>
+              <a:spcBef>
+                <a:spcPts val="200"/>
+              </a:spcBef>
+              <a:spcAft>
+                <a:spcPts val="400"/>
+              </a:spcAft>
+              <a:buClr>
+                <a:schemeClr val="accent1"/>
+              </a:buClr>
+              <a:buFont typeface="Calibri" pitchFamily="34" charset="0"/>
+              <a:buChar char="◦"/>
+              <a:defRPr sz="1400" kern="1200">
+                <a:solidFill>
+                  <a:schemeClr val="tx1">
+                    <a:lumMod val="75000"/>
+                    <a:lumOff val="25000"/>
+                  </a:schemeClr>
+                </a:solidFill>
+                <a:latin typeface="+mn-lt"/>
+                <a:ea typeface="+mn-ea"/>
+                <a:cs typeface="+mn-cs"/>
+              </a:defRPr>
+            </a:lvl4pPr>
+            <a:lvl5pPr marL="932688" indent="-182880" algn="l" defTabSz="914400" rtl="0" eaLnBrk="1" latinLnBrk="0" hangingPunct="1">
+              <a:lnSpc>
+                <a:spcPct val="90000"/>
+              </a:lnSpc>
+              <a:spcBef>
+                <a:spcPts val="200"/>
+              </a:spcBef>
+              <a:spcAft>
+                <a:spcPts val="400"/>
+              </a:spcAft>
+              <a:buClr>
+                <a:schemeClr val="accent1"/>
+              </a:buClr>
+              <a:buFont typeface="Calibri" pitchFamily="34" charset="0"/>
+              <a:buChar char="◦"/>
+              <a:defRPr sz="1400" kern="1200">
+                <a:solidFill>
+                  <a:schemeClr val="tx1">
+                    <a:lumMod val="75000"/>
+                    <a:lumOff val="25000"/>
+                  </a:schemeClr>
+                </a:solidFill>
+                <a:latin typeface="+mn-lt"/>
+                <a:ea typeface="+mn-ea"/>
+                <a:cs typeface="+mn-cs"/>
+              </a:defRPr>
+            </a:lvl5pPr>
+            <a:lvl6pPr marL="1100000" indent="-228600" algn="l" defTabSz="914400" rtl="0" eaLnBrk="1" latinLnBrk="0" hangingPunct="1">
+              <a:lnSpc>
+                <a:spcPct val="90000"/>
+              </a:lnSpc>
+              <a:spcBef>
+                <a:spcPts val="200"/>
+              </a:spcBef>
+              <a:spcAft>
+                <a:spcPts val="400"/>
+              </a:spcAft>
+              <a:buClr>
+                <a:schemeClr val="accent1"/>
+              </a:buClr>
+              <a:buFont typeface="Calibri" pitchFamily="34" charset="0"/>
+              <a:buChar char="◦"/>
+              <a:defRPr sz="1400" kern="1200">
+                <a:solidFill>
+                  <a:schemeClr val="tx1">
+                    <a:lumMod val="75000"/>
+                    <a:lumOff val="25000"/>
+                  </a:schemeClr>
+                </a:solidFill>
+                <a:latin typeface="+mn-lt"/>
+                <a:ea typeface="+mn-ea"/>
+                <a:cs typeface="+mn-cs"/>
+              </a:defRPr>
+            </a:lvl6pPr>
+            <a:lvl7pPr marL="1300000" indent="-228600" algn="l" defTabSz="914400" rtl="0" eaLnBrk="1" latinLnBrk="0" hangingPunct="1">
+              <a:lnSpc>
+                <a:spcPct val="90000"/>
+              </a:lnSpc>
+              <a:spcBef>
+                <a:spcPts val="200"/>
+              </a:spcBef>
+              <a:spcAft>
+                <a:spcPts val="400"/>
+              </a:spcAft>
+              <a:buClr>
+                <a:schemeClr val="accent1"/>
+              </a:buClr>
+              <a:buFont typeface="Calibri" pitchFamily="34" charset="0"/>
+              <a:buChar char="◦"/>
+              <a:defRPr sz="1400" kern="1200">
+                <a:solidFill>
+                  <a:schemeClr val="tx1">
+                    <a:lumMod val="75000"/>
+                    <a:lumOff val="25000"/>
+                  </a:schemeClr>
+                </a:solidFill>
+                <a:latin typeface="+mn-lt"/>
+                <a:ea typeface="+mn-ea"/>
+                <a:cs typeface="+mn-cs"/>
+              </a:defRPr>
+            </a:lvl7pPr>
+            <a:lvl8pPr marL="1500000" indent="-228600" algn="l" defTabSz="914400" rtl="0" eaLnBrk="1" latinLnBrk="0" hangingPunct="1">
+              <a:lnSpc>
+                <a:spcPct val="90000"/>
+              </a:lnSpc>
+              <a:spcBef>
+                <a:spcPts val="200"/>
+              </a:spcBef>
+              <a:spcAft>
+                <a:spcPts val="400"/>
+              </a:spcAft>
+              <a:buClr>
+                <a:schemeClr val="accent1"/>
+              </a:buClr>
+              <a:buFont typeface="Calibri" pitchFamily="34" charset="0"/>
+              <a:buChar char="◦"/>
+              <a:defRPr sz="1400" kern="1200">
+                <a:solidFill>
+                  <a:schemeClr val="tx1">
+                    <a:lumMod val="75000"/>
+                    <a:lumOff val="25000"/>
+                  </a:schemeClr>
+                </a:solidFill>
+                <a:latin typeface="+mn-lt"/>
+                <a:ea typeface="+mn-ea"/>
+                <a:cs typeface="+mn-cs"/>
+              </a:defRPr>
+            </a:lvl8pPr>
+            <a:lvl9pPr marL="1700000" indent="-228600" algn="l" defTabSz="914400" rtl="0" eaLnBrk="1" latinLnBrk="0" hangingPunct="1">
+              <a:lnSpc>
+                <a:spcPct val="90000"/>
+              </a:lnSpc>
+              <a:spcBef>
+                <a:spcPts val="200"/>
+              </a:spcBef>
+              <a:spcAft>
+                <a:spcPts val="400"/>
+              </a:spcAft>
+              <a:buClr>
+                <a:schemeClr val="accent1"/>
+              </a:buClr>
+              <a:buFont typeface="Calibri" pitchFamily="34" charset="0"/>
+              <a:buChar char="◦"/>
+              <a:defRPr sz="1400" kern="1200">
+                <a:solidFill>
+                  <a:schemeClr val="tx1">
+                    <a:lumMod val="75000"/>
+                    <a:lumOff val="25000"/>
+                  </a:schemeClr>
+                </a:solidFill>
+                <a:latin typeface="+mn-lt"/>
+                <a:ea typeface="+mn-ea"/>
+                <a:cs typeface="+mn-cs"/>
+              </a:defRPr>
+            </a:lvl9pPr>
+          </a:lstStyle>
+          <a:p>
+            <a:pPr marL="0" indent="0">
+              <a:buNone/>
+            </a:pPr>
+            <a:r>
+              <a:rPr lang="en-US" dirty="0"/>
+              <a:t>F(1) = 3+5+4+3 = 15/20 games win</a:t>
+            </a:r>
+          </a:p>
+          <a:p>
+            <a:pPr marL="0" indent="0">
+              <a:buNone/>
+            </a:pPr>
+            <a:r>
+              <a:rPr lang="en-US" dirty="0"/>
+              <a:t>Chromosome yields:</a:t>
+            </a:r>
+          </a:p>
+          <a:p>
+            <a:pPr marL="0" indent="0">
+              <a:buNone/>
+            </a:pPr>
+            <a:r>
+              <a:rPr lang="en-US" dirty="0"/>
+              <a:t>C2 = 20%</a:t>
+            </a:r>
+          </a:p>
+          <a:p>
+            <a:pPr marL="0" indent="0">
+              <a:buNone/>
+            </a:pPr>
+            <a:r>
+              <a:rPr lang="en-US" dirty="0"/>
+              <a:t>C3 = 33.3% </a:t>
+            </a:r>
+          </a:p>
+          <a:p>
+            <a:pPr marL="0" indent="0">
+              <a:buNone/>
+            </a:pPr>
+            <a:r>
+              <a:rPr lang="en-US" dirty="0"/>
+              <a:t>C6 = 20%</a:t>
+            </a:r>
+          </a:p>
+          <a:p>
+            <a:pPr marL="0" indent="0">
+              <a:buNone/>
+            </a:pPr>
+            <a:r>
+              <a:rPr lang="en-US" dirty="0"/>
+              <a:t>C8 = 26.6%</a:t>
+            </a:r>
+          </a:p>
+          <a:p>
+            <a:pPr marL="0" indent="0">
+              <a:buNone/>
+            </a:pPr>
+            <a:r>
+              <a:rPr lang="en-US" dirty="0"/>
+              <a:t>Total games win: 24/50 games</a:t>
             </a:r>
           </a:p>
         </p:txBody>
@@ -7382,8 +9658,8 @@
         </p:nvSpPr>
         <p:spPr>
           <a:xfrm>
-            <a:off x="1097280" y="1845733"/>
-            <a:ext cx="10058400" cy="4231107"/>
+            <a:off x="1097279" y="1845733"/>
+            <a:ext cx="5600299" cy="4231107"/>
           </a:xfrm>
         </p:spPr>
         <p:txBody>
@@ -7404,6 +9680,18 @@
               </a:rPr>
               <a:t>chromosome   C = [91, 2]</a:t>
             </a:r>
+            <a:r>
+              <a:rPr lang="en-US" dirty="0"/>
+              <a:t> 	</a:t>
+            </a:r>
+            <a:r>
+              <a:rPr lang="en-US" dirty="0">
+                <a:solidFill>
+                  <a:srgbClr val="FF0000"/>
+                </a:solidFill>
+              </a:rPr>
+              <a:t>: 4/5 games win</a:t>
+            </a:r>
           </a:p>
           <a:p>
             <a:pPr marL="457200" indent="-457200">
@@ -7416,8 +9704,17 @@
                   <a:schemeClr val="tx1"/>
                 </a:solidFill>
               </a:rPr>
-              <a:t>chromosome   C = [97, 3]</a:t>
-            </a:r>
+              <a:t>chromosome   C = [97, 3]	</a:t>
+            </a:r>
+            <a:r>
+              <a:rPr lang="en-US" dirty="0"/>
+              <a:t>: 3/5 games win</a:t>
+            </a:r>
+            <a:endParaRPr lang="en-US" dirty="0">
+              <a:solidFill>
+                <a:schemeClr val="tx1"/>
+              </a:solidFill>
+            </a:endParaRPr>
           </a:p>
           <a:p>
             <a:pPr marL="457200" indent="-457200">
@@ -7430,7 +9727,7 @@
                   <a:srgbClr val="FF0000"/>
                 </a:solidFill>
               </a:rPr>
-              <a:t>chromosome   C = [72, 2]</a:t>
+              <a:t>chromosome   C = [72, 2]	: 5/5 games win</a:t>
             </a:r>
           </a:p>
           <a:p>
@@ -7444,8 +9741,17 @@
                   <a:schemeClr val="tx1"/>
                 </a:solidFill>
               </a:rPr>
-              <a:t>chromosome   C = [97, 3]</a:t>
-            </a:r>
+              <a:t>chromosome   C = [97, 3]	</a:t>
+            </a:r>
+            <a:r>
+              <a:rPr lang="en-US" dirty="0"/>
+              <a:t>: 3/5 games win</a:t>
+            </a:r>
+            <a:endParaRPr lang="en-US" dirty="0">
+              <a:solidFill>
+                <a:schemeClr val="tx1"/>
+              </a:solidFill>
+            </a:endParaRPr>
           </a:p>
           <a:p>
             <a:pPr marL="457200" indent="-457200">
@@ -7458,8 +9764,17 @@
                   <a:schemeClr val="tx1"/>
                 </a:solidFill>
               </a:rPr>
-              <a:t>chromosome   C = [91, 2]</a:t>
-            </a:r>
+              <a:t>chromosome   C = [91, 2]	</a:t>
+            </a:r>
+            <a:r>
+              <a:rPr lang="en-US" dirty="0"/>
+              <a:t>: 4/5 games win</a:t>
+            </a:r>
+            <a:endParaRPr lang="en-US" dirty="0">
+              <a:solidFill>
+                <a:schemeClr val="tx1"/>
+              </a:solidFill>
+            </a:endParaRPr>
           </a:p>
           <a:p>
             <a:pPr marL="457200" indent="-457200">
@@ -7472,8 +9787,17 @@
                   <a:schemeClr val="tx1"/>
                 </a:solidFill>
               </a:rPr>
-              <a:t>chromosome   C = [95, 1]</a:t>
-            </a:r>
+              <a:t>chromosome   C = [95, 1]	</a:t>
+            </a:r>
+            <a:r>
+              <a:rPr lang="en-US" dirty="0"/>
+              <a:t>: 3/5 games win</a:t>
+            </a:r>
+            <a:endParaRPr lang="en-US" dirty="0">
+              <a:solidFill>
+                <a:schemeClr val="tx1"/>
+              </a:solidFill>
+            </a:endParaRPr>
           </a:p>
           <a:p>
             <a:pPr marL="457200" indent="-457200">
@@ -7486,7 +9810,7 @@
                   <a:srgbClr val="FF0000"/>
                 </a:solidFill>
               </a:rPr>
-              <a:t>chromosome   C = [72, 2]</a:t>
+              <a:t>chromosome   C = [72, 2]	: 5/5 games win</a:t>
             </a:r>
             <a:r>
               <a:rPr lang="en-US" dirty="0">
@@ -7508,8 +9832,17 @@
                   <a:schemeClr val="tx1"/>
                 </a:solidFill>
               </a:rPr>
-              <a:t>chromosome   C = [91, 2]</a:t>
-            </a:r>
+              <a:t>chromosome   C = [91, 2]	</a:t>
+            </a:r>
+            <a:r>
+              <a:rPr lang="en-US" dirty="0"/>
+              <a:t>: 4/5 games win</a:t>
+            </a:r>
+            <a:endParaRPr lang="en-US" dirty="0">
+              <a:solidFill>
+                <a:schemeClr val="tx1"/>
+              </a:solidFill>
+            </a:endParaRPr>
           </a:p>
           <a:p>
             <a:pPr marL="457200" indent="-457200">
@@ -7522,8 +9855,17 @@
                   <a:schemeClr val="tx1"/>
                 </a:solidFill>
               </a:rPr>
-              <a:t>chromosome   C = [97, 3]</a:t>
-            </a:r>
+              <a:t>chromosome   C = [97, 3]	</a:t>
+            </a:r>
+            <a:r>
+              <a:rPr lang="en-US" dirty="0"/>
+              <a:t>: 3/5 games win</a:t>
+            </a:r>
+            <a:endParaRPr lang="en-US" dirty="0">
+              <a:solidFill>
+                <a:schemeClr val="tx1"/>
+              </a:solidFill>
+            </a:endParaRPr>
           </a:p>
           <a:p>
             <a:pPr marL="457200" indent="-457200">
@@ -7536,7 +9878,345 @@
                   <a:srgbClr val="FF0000"/>
                 </a:solidFill>
               </a:rPr>
-              <a:t>chromosome   C = [72, 2]</a:t>
+              <a:t>chromosome   C = [72, 2]	: 5/5 games win</a:t>
+            </a:r>
+          </a:p>
+        </p:txBody>
+      </p:sp>
+      <p:sp>
+        <p:nvSpPr>
+          <p:cNvPr id="4" name="Content Placeholder 2">
+            <a:extLst>
+              <a:ext uri="{FF2B5EF4-FFF2-40B4-BE49-F238E27FC236}">
+                <a16:creationId xmlns:a16="http://schemas.microsoft.com/office/drawing/2014/main" id="{966B9358-E5C1-48C2-A38F-6BDA11E6E7E2}"/>
+              </a:ext>
+            </a:extLst>
+          </p:cNvPr>
+          <p:cNvSpPr txBox="1">
+            <a:spLocks/>
+          </p:cNvSpPr>
+          <p:nvPr/>
+        </p:nvSpPr>
+        <p:spPr>
+          <a:xfrm>
+            <a:off x="6777789" y="1861410"/>
+            <a:ext cx="4708358" cy="4356510"/>
+          </a:xfrm>
+          <a:prstGeom prst="rect">
+            <a:avLst/>
+          </a:prstGeom>
+        </p:spPr>
+        <p:txBody>
+          <a:bodyPr vert="horz" lIns="0" tIns="45720" rIns="0" bIns="45720" rtlCol="0">
+            <a:normAutofit/>
+          </a:bodyPr>
+          <a:lstStyle>
+            <a:lvl1pPr marL="91440" indent="-91440" algn="l" defTabSz="914400" rtl="0" eaLnBrk="1" latinLnBrk="0" hangingPunct="1">
+              <a:lnSpc>
+                <a:spcPct val="90000"/>
+              </a:lnSpc>
+              <a:spcBef>
+                <a:spcPts val="1200"/>
+              </a:spcBef>
+              <a:spcAft>
+                <a:spcPts val="200"/>
+              </a:spcAft>
+              <a:buClr>
+                <a:schemeClr val="accent1"/>
+              </a:buClr>
+              <a:buSzPct val="100000"/>
+              <a:buFont typeface="Calibri" panose="020F0502020204030204" pitchFamily="34" charset="0"/>
+              <a:buChar char=" "/>
+              <a:defRPr sz="2000" kern="1200">
+                <a:solidFill>
+                  <a:schemeClr val="tx1">
+                    <a:lumMod val="75000"/>
+                    <a:lumOff val="25000"/>
+                  </a:schemeClr>
+                </a:solidFill>
+                <a:latin typeface="+mn-lt"/>
+                <a:ea typeface="+mn-ea"/>
+                <a:cs typeface="+mn-cs"/>
+              </a:defRPr>
+            </a:lvl1pPr>
+            <a:lvl2pPr marL="384048" indent="-182880" algn="l" defTabSz="914400" rtl="0" eaLnBrk="1" latinLnBrk="0" hangingPunct="1">
+              <a:lnSpc>
+                <a:spcPct val="90000"/>
+              </a:lnSpc>
+              <a:spcBef>
+                <a:spcPts val="200"/>
+              </a:spcBef>
+              <a:spcAft>
+                <a:spcPts val="400"/>
+              </a:spcAft>
+              <a:buClr>
+                <a:schemeClr val="accent1"/>
+              </a:buClr>
+              <a:buFont typeface="Calibri" pitchFamily="34" charset="0"/>
+              <a:buChar char="◦"/>
+              <a:defRPr sz="1800" kern="1200">
+                <a:solidFill>
+                  <a:schemeClr val="tx1">
+                    <a:lumMod val="75000"/>
+                    <a:lumOff val="25000"/>
+                  </a:schemeClr>
+                </a:solidFill>
+                <a:latin typeface="+mn-lt"/>
+                <a:ea typeface="+mn-ea"/>
+                <a:cs typeface="+mn-cs"/>
+              </a:defRPr>
+            </a:lvl2pPr>
+            <a:lvl3pPr marL="566928" indent="-182880" algn="l" defTabSz="914400" rtl="0" eaLnBrk="1" latinLnBrk="0" hangingPunct="1">
+              <a:lnSpc>
+                <a:spcPct val="90000"/>
+              </a:lnSpc>
+              <a:spcBef>
+                <a:spcPts val="200"/>
+              </a:spcBef>
+              <a:spcAft>
+                <a:spcPts val="400"/>
+              </a:spcAft>
+              <a:buClr>
+                <a:schemeClr val="accent1"/>
+              </a:buClr>
+              <a:buFont typeface="Calibri" pitchFamily="34" charset="0"/>
+              <a:buChar char="◦"/>
+              <a:defRPr sz="1400" kern="1200">
+                <a:solidFill>
+                  <a:schemeClr val="tx1">
+                    <a:lumMod val="75000"/>
+                    <a:lumOff val="25000"/>
+                  </a:schemeClr>
+                </a:solidFill>
+                <a:latin typeface="+mn-lt"/>
+                <a:ea typeface="+mn-ea"/>
+                <a:cs typeface="+mn-cs"/>
+              </a:defRPr>
+            </a:lvl3pPr>
+            <a:lvl4pPr marL="749808" indent="-182880" algn="l" defTabSz="914400" rtl="0" eaLnBrk="1" latinLnBrk="0" hangingPunct="1">
+              <a:lnSpc>
+                <a:spcPct val="90000"/>
+              </a:lnSpc>
+              <a:spcBef>
+                <a:spcPts val="200"/>
+              </a:spcBef>
+              <a:spcAft>
+                <a:spcPts val="400"/>
+              </a:spcAft>
+              <a:buClr>
+                <a:schemeClr val="accent1"/>
+              </a:buClr>
+              <a:buFont typeface="Calibri" pitchFamily="34" charset="0"/>
+              <a:buChar char="◦"/>
+              <a:defRPr sz="1400" kern="1200">
+                <a:solidFill>
+                  <a:schemeClr val="tx1">
+                    <a:lumMod val="75000"/>
+                    <a:lumOff val="25000"/>
+                  </a:schemeClr>
+                </a:solidFill>
+                <a:latin typeface="+mn-lt"/>
+                <a:ea typeface="+mn-ea"/>
+                <a:cs typeface="+mn-cs"/>
+              </a:defRPr>
+            </a:lvl4pPr>
+            <a:lvl5pPr marL="932688" indent="-182880" algn="l" defTabSz="914400" rtl="0" eaLnBrk="1" latinLnBrk="0" hangingPunct="1">
+              <a:lnSpc>
+                <a:spcPct val="90000"/>
+              </a:lnSpc>
+              <a:spcBef>
+                <a:spcPts val="200"/>
+              </a:spcBef>
+              <a:spcAft>
+                <a:spcPts val="400"/>
+              </a:spcAft>
+              <a:buClr>
+                <a:schemeClr val="accent1"/>
+              </a:buClr>
+              <a:buFont typeface="Calibri" pitchFamily="34" charset="0"/>
+              <a:buChar char="◦"/>
+              <a:defRPr sz="1400" kern="1200">
+                <a:solidFill>
+                  <a:schemeClr val="tx1">
+                    <a:lumMod val="75000"/>
+                    <a:lumOff val="25000"/>
+                  </a:schemeClr>
+                </a:solidFill>
+                <a:latin typeface="+mn-lt"/>
+                <a:ea typeface="+mn-ea"/>
+                <a:cs typeface="+mn-cs"/>
+              </a:defRPr>
+            </a:lvl5pPr>
+            <a:lvl6pPr marL="1100000" indent="-228600" algn="l" defTabSz="914400" rtl="0" eaLnBrk="1" latinLnBrk="0" hangingPunct="1">
+              <a:lnSpc>
+                <a:spcPct val="90000"/>
+              </a:lnSpc>
+              <a:spcBef>
+                <a:spcPts val="200"/>
+              </a:spcBef>
+              <a:spcAft>
+                <a:spcPts val="400"/>
+              </a:spcAft>
+              <a:buClr>
+                <a:schemeClr val="accent1"/>
+              </a:buClr>
+              <a:buFont typeface="Calibri" pitchFamily="34" charset="0"/>
+              <a:buChar char="◦"/>
+              <a:defRPr sz="1400" kern="1200">
+                <a:solidFill>
+                  <a:schemeClr val="tx1">
+                    <a:lumMod val="75000"/>
+                    <a:lumOff val="25000"/>
+                  </a:schemeClr>
+                </a:solidFill>
+                <a:latin typeface="+mn-lt"/>
+                <a:ea typeface="+mn-ea"/>
+                <a:cs typeface="+mn-cs"/>
+              </a:defRPr>
+            </a:lvl6pPr>
+            <a:lvl7pPr marL="1300000" indent="-228600" algn="l" defTabSz="914400" rtl="0" eaLnBrk="1" latinLnBrk="0" hangingPunct="1">
+              <a:lnSpc>
+                <a:spcPct val="90000"/>
+              </a:lnSpc>
+              <a:spcBef>
+                <a:spcPts val="200"/>
+              </a:spcBef>
+              <a:spcAft>
+                <a:spcPts val="400"/>
+              </a:spcAft>
+              <a:buClr>
+                <a:schemeClr val="accent1"/>
+              </a:buClr>
+              <a:buFont typeface="Calibri" pitchFamily="34" charset="0"/>
+              <a:buChar char="◦"/>
+              <a:defRPr sz="1400" kern="1200">
+                <a:solidFill>
+                  <a:schemeClr val="tx1">
+                    <a:lumMod val="75000"/>
+                    <a:lumOff val="25000"/>
+                  </a:schemeClr>
+                </a:solidFill>
+                <a:latin typeface="+mn-lt"/>
+                <a:ea typeface="+mn-ea"/>
+                <a:cs typeface="+mn-cs"/>
+              </a:defRPr>
+            </a:lvl7pPr>
+            <a:lvl8pPr marL="1500000" indent="-228600" algn="l" defTabSz="914400" rtl="0" eaLnBrk="1" latinLnBrk="0" hangingPunct="1">
+              <a:lnSpc>
+                <a:spcPct val="90000"/>
+              </a:lnSpc>
+              <a:spcBef>
+                <a:spcPts val="200"/>
+              </a:spcBef>
+              <a:spcAft>
+                <a:spcPts val="400"/>
+              </a:spcAft>
+              <a:buClr>
+                <a:schemeClr val="accent1"/>
+              </a:buClr>
+              <a:buFont typeface="Calibri" pitchFamily="34" charset="0"/>
+              <a:buChar char="◦"/>
+              <a:defRPr sz="1400" kern="1200">
+                <a:solidFill>
+                  <a:schemeClr val="tx1">
+                    <a:lumMod val="75000"/>
+                    <a:lumOff val="25000"/>
+                  </a:schemeClr>
+                </a:solidFill>
+                <a:latin typeface="+mn-lt"/>
+                <a:ea typeface="+mn-ea"/>
+                <a:cs typeface="+mn-cs"/>
+              </a:defRPr>
+            </a:lvl8pPr>
+            <a:lvl9pPr marL="1700000" indent="-228600" algn="l" defTabSz="914400" rtl="0" eaLnBrk="1" latinLnBrk="0" hangingPunct="1">
+              <a:lnSpc>
+                <a:spcPct val="90000"/>
+              </a:lnSpc>
+              <a:spcBef>
+                <a:spcPts val="200"/>
+              </a:spcBef>
+              <a:spcAft>
+                <a:spcPts val="400"/>
+              </a:spcAft>
+              <a:buClr>
+                <a:schemeClr val="accent1"/>
+              </a:buClr>
+              <a:buFont typeface="Calibri" pitchFamily="34" charset="0"/>
+              <a:buChar char="◦"/>
+              <a:defRPr sz="1400" kern="1200">
+                <a:solidFill>
+                  <a:schemeClr val="tx1">
+                    <a:lumMod val="75000"/>
+                    <a:lumOff val="25000"/>
+                  </a:schemeClr>
+                </a:solidFill>
+                <a:latin typeface="+mn-lt"/>
+                <a:ea typeface="+mn-ea"/>
+                <a:cs typeface="+mn-cs"/>
+              </a:defRPr>
+            </a:lvl9pPr>
+          </a:lstStyle>
+          <a:p>
+            <a:pPr marL="0" indent="0">
+              <a:buNone/>
+            </a:pPr>
+            <a:r>
+              <a:rPr lang="en-US" dirty="0"/>
+              <a:t>F(2) = 5+5+4+5 = 19/20 games win</a:t>
+            </a:r>
+          </a:p>
+          <a:p>
+            <a:pPr marL="0" indent="0">
+              <a:buNone/>
+            </a:pPr>
+            <a:r>
+              <a:rPr lang="en-US" dirty="0"/>
+              <a:t>Chromosome yields:</a:t>
+            </a:r>
+          </a:p>
+          <a:p>
+            <a:pPr marL="0" indent="0">
+              <a:buNone/>
+            </a:pPr>
+            <a:r>
+              <a:rPr lang="en-US" dirty="0"/>
+              <a:t>C1 = 21%</a:t>
+            </a:r>
+          </a:p>
+          <a:p>
+            <a:pPr marL="0" indent="0">
+              <a:buNone/>
+            </a:pPr>
+            <a:r>
+              <a:rPr lang="en-US" dirty="0"/>
+              <a:t>C3 = 26.3% </a:t>
+            </a:r>
+          </a:p>
+          <a:p>
+            <a:pPr marL="0" indent="0">
+              <a:buNone/>
+            </a:pPr>
+            <a:r>
+              <a:rPr lang="en-US" dirty="0"/>
+              <a:t>C7 = 26.3%</a:t>
+            </a:r>
+          </a:p>
+          <a:p>
+            <a:pPr marL="0" indent="0">
+              <a:buNone/>
+            </a:pPr>
+            <a:r>
+              <a:rPr lang="en-US" dirty="0"/>
+              <a:t>C10 = 26.3%</a:t>
+            </a:r>
+          </a:p>
+          <a:p>
+            <a:pPr marL="0" indent="0">
+              <a:buNone/>
+            </a:pPr>
+            <a:r>
+              <a:rPr lang="en-US" dirty="0"/>
+              <a:t>Total games win: 39/50 games</a:t>
             </a:r>
           </a:p>
         </p:txBody>
@@ -7640,7 +10320,7 @@
                   <a:srgbClr val="FF0000"/>
                 </a:solidFill>
               </a:rPr>
-              <a:t>chromosome   C = [72, 2]</a:t>
+              <a:t>chromosome   C = [72, 2]	 : 5/5 games win</a:t>
             </a:r>
           </a:p>
           <a:p>
@@ -7654,8 +10334,17 @@
                   <a:schemeClr val="tx1"/>
                 </a:solidFill>
               </a:rPr>
-              <a:t>chromosome   C = [91, 2]</a:t>
-            </a:r>
+              <a:t>chromosome   C = [91, 2]	</a:t>
+            </a:r>
+            <a:r>
+              <a:rPr lang="en-US" dirty="0"/>
+              <a:t> : 4/5 games win</a:t>
+            </a:r>
+            <a:endParaRPr lang="en-US" dirty="0">
+              <a:solidFill>
+                <a:schemeClr val="tx1"/>
+              </a:solidFill>
+            </a:endParaRPr>
           </a:p>
           <a:p>
             <a:pPr marL="457200" indent="-457200">
@@ -7668,7 +10357,19 @@
                   <a:srgbClr val="FF0000"/>
                 </a:solidFill>
               </a:rPr>
-              <a:t>chromosome   C = [72, 2]</a:t>
+              <a:t>chromosome   C = [72, 2]	</a:t>
+            </a:r>
+            <a:r>
+              <a:rPr lang="en-US" dirty="0"/>
+              <a:t> </a:t>
+            </a:r>
+            <a:r>
+              <a:rPr lang="en-US" dirty="0">
+                <a:solidFill>
+                  <a:srgbClr val="FF0000"/>
+                </a:solidFill>
+              </a:rPr>
+              <a:t>: 5/5 games win</a:t>
             </a:r>
           </a:p>
           <a:p>
@@ -7682,8 +10383,17 @@
                   <a:schemeClr val="tx1"/>
                 </a:solidFill>
               </a:rPr>
-              <a:t>chromosome   C = [91, 2]</a:t>
-            </a:r>
+              <a:t>chromosome   C = [91, 2]	</a:t>
+            </a:r>
+            <a:r>
+              <a:rPr lang="en-US" dirty="0"/>
+              <a:t> : 4/5 games win</a:t>
+            </a:r>
+            <a:endParaRPr lang="en-US" dirty="0">
+              <a:solidFill>
+                <a:schemeClr val="tx1"/>
+              </a:solidFill>
+            </a:endParaRPr>
           </a:p>
           <a:p>
             <a:pPr marL="457200" indent="-457200">
@@ -7696,21 +10406,33 @@
                   <a:srgbClr val="FF0000"/>
                 </a:solidFill>
               </a:rPr>
-              <a:t>chromosome   C = [72, 2]</a:t>
-            </a:r>
-          </a:p>
-          <a:p>
-            <a:pPr marL="457200" indent="-457200">
-              <a:buFont typeface="+mj-lt"/>
-              <a:buAutoNum type="arabicPeriod"/>
-            </a:pPr>
+              <a:t>chromosome   C = [72, 2]	</a:t>
+            </a:r>
+            <a:r>
+              <a:rPr lang="en-US" dirty="0"/>
+              <a:t> </a:t>
+            </a:r>
             <a:r>
               <a:rPr lang="en-US" dirty="0">
                 <a:solidFill>
                   <a:srgbClr val="FF0000"/>
                 </a:solidFill>
               </a:rPr>
-              <a:t>chromosome   C = [72, 2]</a:t>
+              <a:t>: 5/5 games win</a:t>
+            </a:r>
+          </a:p>
+          <a:p>
+            <a:pPr marL="457200" indent="-457200">
+              <a:buFont typeface="+mj-lt"/>
+              <a:buAutoNum type="arabicPeriod"/>
+            </a:pPr>
+            <a:r>
+              <a:rPr lang="en-US" dirty="0">
+                <a:solidFill>
+                  <a:srgbClr val="FF0000"/>
+                </a:solidFill>
+              </a:rPr>
+              <a:t>chromosome   C = [72, 2]	 : 5/5 games win</a:t>
             </a:r>
           </a:p>
           <a:p>
@@ -7724,8 +10446,17 @@
                   <a:schemeClr val="tx1"/>
                 </a:solidFill>
               </a:rPr>
-              <a:t>chromosome   C = [72, 2]</a:t>
-            </a:r>
+              <a:t>chromosome   C = [72, 2]	</a:t>
+            </a:r>
+            <a:r>
+              <a:rPr lang="en-US" dirty="0"/>
+              <a:t> : 5/5 games win</a:t>
+            </a:r>
+            <a:endParaRPr lang="en-US" dirty="0">
+              <a:solidFill>
+                <a:schemeClr val="tx1"/>
+              </a:solidFill>
+            </a:endParaRPr>
           </a:p>
           <a:p>
             <a:pPr marL="457200" indent="-457200">
@@ -7738,8 +10469,17 @@
                   <a:schemeClr val="tx1"/>
                 </a:solidFill>
               </a:rPr>
-              <a:t>chromosome   C = [91, 2]</a:t>
-            </a:r>
+              <a:t>chromosome   C = [91, 2]	</a:t>
+            </a:r>
+            <a:r>
+              <a:rPr lang="en-US" dirty="0"/>
+              <a:t> : 4/5 games win</a:t>
+            </a:r>
+            <a:endParaRPr lang="en-US" dirty="0">
+              <a:solidFill>
+                <a:schemeClr val="tx1"/>
+              </a:solidFill>
+            </a:endParaRPr>
           </a:p>
           <a:p>
             <a:pPr marL="457200" indent="-457200">
@@ -7752,8 +10492,17 @@
                   <a:schemeClr val="tx1"/>
                 </a:solidFill>
               </a:rPr>
-              <a:t>chromosome   C = [91, 2]</a:t>
-            </a:r>
+              <a:t>chromosome   C = [91, 2]	</a:t>
+            </a:r>
+            <a:r>
+              <a:rPr lang="en-US" dirty="0"/>
+              <a:t> : 4/5 games win</a:t>
+            </a:r>
+            <a:endParaRPr lang="en-US" dirty="0">
+              <a:solidFill>
+                <a:schemeClr val="tx1"/>
+              </a:solidFill>
+            </a:endParaRPr>
           </a:p>
           <a:p>
             <a:pPr marL="457200" indent="-457200">
@@ -7766,7 +10515,354 @@
                   <a:schemeClr val="tx1"/>
                 </a:solidFill>
               </a:rPr>
-              <a:t>chromosome   C = [72, 2]</a:t>
+              <a:t>chromosome   C = [72, 2]	</a:t>
+            </a:r>
+            <a:r>
+              <a:rPr lang="en-US" dirty="0"/>
+              <a:t> : 5/5 games win</a:t>
+            </a:r>
+            <a:endParaRPr lang="en-US" dirty="0">
+              <a:solidFill>
+                <a:schemeClr val="tx1"/>
+              </a:solidFill>
+            </a:endParaRPr>
+          </a:p>
+        </p:txBody>
+      </p:sp>
+      <p:sp>
+        <p:nvSpPr>
+          <p:cNvPr id="4" name="Content Placeholder 2">
+            <a:extLst>
+              <a:ext uri="{FF2B5EF4-FFF2-40B4-BE49-F238E27FC236}">
+                <a16:creationId xmlns:a16="http://schemas.microsoft.com/office/drawing/2014/main" id="{66EA1E8D-4A00-4A9D-8C7E-19AD7FEDDEFA}"/>
+              </a:ext>
+            </a:extLst>
+          </p:cNvPr>
+          <p:cNvSpPr txBox="1">
+            <a:spLocks/>
+          </p:cNvSpPr>
+          <p:nvPr/>
+        </p:nvSpPr>
+        <p:spPr>
+          <a:xfrm>
+            <a:off x="6777789" y="1861410"/>
+            <a:ext cx="4708358" cy="4356510"/>
+          </a:xfrm>
+          <a:prstGeom prst="rect">
+            <a:avLst/>
+          </a:prstGeom>
+        </p:spPr>
+        <p:txBody>
+          <a:bodyPr vert="horz" lIns="0" tIns="45720" rIns="0" bIns="45720" rtlCol="0">
+            <a:normAutofit/>
+          </a:bodyPr>
+          <a:lstStyle>
+            <a:lvl1pPr marL="91440" indent="-91440" algn="l" defTabSz="914400" rtl="0" eaLnBrk="1" latinLnBrk="0" hangingPunct="1">
+              <a:lnSpc>
+                <a:spcPct val="90000"/>
+              </a:lnSpc>
+              <a:spcBef>
+                <a:spcPts val="1200"/>
+              </a:spcBef>
+              <a:spcAft>
+                <a:spcPts val="200"/>
+              </a:spcAft>
+              <a:buClr>
+                <a:schemeClr val="accent1"/>
+              </a:buClr>
+              <a:buSzPct val="100000"/>
+              <a:buFont typeface="Calibri" panose="020F0502020204030204" pitchFamily="34" charset="0"/>
+              <a:buChar char=" "/>
+              <a:defRPr sz="2000" kern="1200">
+                <a:solidFill>
+                  <a:schemeClr val="tx1">
+                    <a:lumMod val="75000"/>
+                    <a:lumOff val="25000"/>
+                  </a:schemeClr>
+                </a:solidFill>
+                <a:latin typeface="+mn-lt"/>
+                <a:ea typeface="+mn-ea"/>
+                <a:cs typeface="+mn-cs"/>
+              </a:defRPr>
+            </a:lvl1pPr>
+            <a:lvl2pPr marL="384048" indent="-182880" algn="l" defTabSz="914400" rtl="0" eaLnBrk="1" latinLnBrk="0" hangingPunct="1">
+              <a:lnSpc>
+                <a:spcPct val="90000"/>
+              </a:lnSpc>
+              <a:spcBef>
+                <a:spcPts val="200"/>
+              </a:spcBef>
+              <a:spcAft>
+                <a:spcPts val="400"/>
+              </a:spcAft>
+              <a:buClr>
+                <a:schemeClr val="accent1"/>
+              </a:buClr>
+              <a:buFont typeface="Calibri" pitchFamily="34" charset="0"/>
+              <a:buChar char="◦"/>
+              <a:defRPr sz="1800" kern="1200">
+                <a:solidFill>
+                  <a:schemeClr val="tx1">
+                    <a:lumMod val="75000"/>
+                    <a:lumOff val="25000"/>
+                  </a:schemeClr>
+                </a:solidFill>
+                <a:latin typeface="+mn-lt"/>
+                <a:ea typeface="+mn-ea"/>
+                <a:cs typeface="+mn-cs"/>
+              </a:defRPr>
+            </a:lvl2pPr>
+            <a:lvl3pPr marL="566928" indent="-182880" algn="l" defTabSz="914400" rtl="0" eaLnBrk="1" latinLnBrk="0" hangingPunct="1">
+              <a:lnSpc>
+                <a:spcPct val="90000"/>
+              </a:lnSpc>
+              <a:spcBef>
+                <a:spcPts val="200"/>
+              </a:spcBef>
+              <a:spcAft>
+                <a:spcPts val="400"/>
+              </a:spcAft>
+              <a:buClr>
+                <a:schemeClr val="accent1"/>
+              </a:buClr>
+              <a:buFont typeface="Calibri" pitchFamily="34" charset="0"/>
+              <a:buChar char="◦"/>
+              <a:defRPr sz="1400" kern="1200">
+                <a:solidFill>
+                  <a:schemeClr val="tx1">
+                    <a:lumMod val="75000"/>
+                    <a:lumOff val="25000"/>
+                  </a:schemeClr>
+                </a:solidFill>
+                <a:latin typeface="+mn-lt"/>
+                <a:ea typeface="+mn-ea"/>
+                <a:cs typeface="+mn-cs"/>
+              </a:defRPr>
+            </a:lvl3pPr>
+            <a:lvl4pPr marL="749808" indent="-182880" algn="l" defTabSz="914400" rtl="0" eaLnBrk="1" latinLnBrk="0" hangingPunct="1">
+              <a:lnSpc>
+                <a:spcPct val="90000"/>
+              </a:lnSpc>
+              <a:spcBef>
+                <a:spcPts val="200"/>
+              </a:spcBef>
+              <a:spcAft>
+                <a:spcPts val="400"/>
+              </a:spcAft>
+              <a:buClr>
+                <a:schemeClr val="accent1"/>
+              </a:buClr>
+              <a:buFont typeface="Calibri" pitchFamily="34" charset="0"/>
+              <a:buChar char="◦"/>
+              <a:defRPr sz="1400" kern="1200">
+                <a:solidFill>
+                  <a:schemeClr val="tx1">
+                    <a:lumMod val="75000"/>
+                    <a:lumOff val="25000"/>
+                  </a:schemeClr>
+                </a:solidFill>
+                <a:latin typeface="+mn-lt"/>
+                <a:ea typeface="+mn-ea"/>
+                <a:cs typeface="+mn-cs"/>
+              </a:defRPr>
+            </a:lvl4pPr>
+            <a:lvl5pPr marL="932688" indent="-182880" algn="l" defTabSz="914400" rtl="0" eaLnBrk="1" latinLnBrk="0" hangingPunct="1">
+              <a:lnSpc>
+                <a:spcPct val="90000"/>
+              </a:lnSpc>
+              <a:spcBef>
+                <a:spcPts val="200"/>
+              </a:spcBef>
+              <a:spcAft>
+                <a:spcPts val="400"/>
+              </a:spcAft>
+              <a:buClr>
+                <a:schemeClr val="accent1"/>
+              </a:buClr>
+              <a:buFont typeface="Calibri" pitchFamily="34" charset="0"/>
+              <a:buChar char="◦"/>
+              <a:defRPr sz="1400" kern="1200">
+                <a:solidFill>
+                  <a:schemeClr val="tx1">
+                    <a:lumMod val="75000"/>
+                    <a:lumOff val="25000"/>
+                  </a:schemeClr>
+                </a:solidFill>
+                <a:latin typeface="+mn-lt"/>
+                <a:ea typeface="+mn-ea"/>
+                <a:cs typeface="+mn-cs"/>
+              </a:defRPr>
+            </a:lvl5pPr>
+            <a:lvl6pPr marL="1100000" indent="-228600" algn="l" defTabSz="914400" rtl="0" eaLnBrk="1" latinLnBrk="0" hangingPunct="1">
+              <a:lnSpc>
+                <a:spcPct val="90000"/>
+              </a:lnSpc>
+              <a:spcBef>
+                <a:spcPts val="200"/>
+              </a:spcBef>
+              <a:spcAft>
+                <a:spcPts val="400"/>
+              </a:spcAft>
+              <a:buClr>
+                <a:schemeClr val="accent1"/>
+              </a:buClr>
+              <a:buFont typeface="Calibri" pitchFamily="34" charset="0"/>
+              <a:buChar char="◦"/>
+              <a:defRPr sz="1400" kern="1200">
+                <a:solidFill>
+                  <a:schemeClr val="tx1">
+                    <a:lumMod val="75000"/>
+                    <a:lumOff val="25000"/>
+                  </a:schemeClr>
+                </a:solidFill>
+                <a:latin typeface="+mn-lt"/>
+                <a:ea typeface="+mn-ea"/>
+                <a:cs typeface="+mn-cs"/>
+              </a:defRPr>
+            </a:lvl6pPr>
+            <a:lvl7pPr marL="1300000" indent="-228600" algn="l" defTabSz="914400" rtl="0" eaLnBrk="1" latinLnBrk="0" hangingPunct="1">
+              <a:lnSpc>
+                <a:spcPct val="90000"/>
+              </a:lnSpc>
+              <a:spcBef>
+                <a:spcPts val="200"/>
+              </a:spcBef>
+              <a:spcAft>
+                <a:spcPts val="400"/>
+              </a:spcAft>
+              <a:buClr>
+                <a:schemeClr val="accent1"/>
+              </a:buClr>
+              <a:buFont typeface="Calibri" pitchFamily="34" charset="0"/>
+              <a:buChar char="◦"/>
+              <a:defRPr sz="1400" kern="1200">
+                <a:solidFill>
+                  <a:schemeClr val="tx1">
+                    <a:lumMod val="75000"/>
+                    <a:lumOff val="25000"/>
+                  </a:schemeClr>
+                </a:solidFill>
+                <a:latin typeface="+mn-lt"/>
+                <a:ea typeface="+mn-ea"/>
+                <a:cs typeface="+mn-cs"/>
+              </a:defRPr>
+            </a:lvl7pPr>
+            <a:lvl8pPr marL="1500000" indent="-228600" algn="l" defTabSz="914400" rtl="0" eaLnBrk="1" latinLnBrk="0" hangingPunct="1">
+              <a:lnSpc>
+                <a:spcPct val="90000"/>
+              </a:lnSpc>
+              <a:spcBef>
+                <a:spcPts val="200"/>
+              </a:spcBef>
+              <a:spcAft>
+                <a:spcPts val="400"/>
+              </a:spcAft>
+              <a:buClr>
+                <a:schemeClr val="accent1"/>
+              </a:buClr>
+              <a:buFont typeface="Calibri" pitchFamily="34" charset="0"/>
+              <a:buChar char="◦"/>
+              <a:defRPr sz="1400" kern="1200">
+                <a:solidFill>
+                  <a:schemeClr val="tx1">
+                    <a:lumMod val="75000"/>
+                    <a:lumOff val="25000"/>
+                  </a:schemeClr>
+                </a:solidFill>
+                <a:latin typeface="+mn-lt"/>
+                <a:ea typeface="+mn-ea"/>
+                <a:cs typeface="+mn-cs"/>
+              </a:defRPr>
+            </a:lvl8pPr>
+            <a:lvl9pPr marL="1700000" indent="-228600" algn="l" defTabSz="914400" rtl="0" eaLnBrk="1" latinLnBrk="0" hangingPunct="1">
+              <a:lnSpc>
+                <a:spcPct val="90000"/>
+              </a:lnSpc>
+              <a:spcBef>
+                <a:spcPts val="200"/>
+              </a:spcBef>
+              <a:spcAft>
+                <a:spcPts val="400"/>
+              </a:spcAft>
+              <a:buClr>
+                <a:schemeClr val="accent1"/>
+              </a:buClr>
+              <a:buFont typeface="Calibri" pitchFamily="34" charset="0"/>
+              <a:buChar char="◦"/>
+              <a:defRPr sz="1400" kern="1200">
+                <a:solidFill>
+                  <a:schemeClr val="tx1">
+                    <a:lumMod val="75000"/>
+                    <a:lumOff val="25000"/>
+                  </a:schemeClr>
+                </a:solidFill>
+                <a:latin typeface="+mn-lt"/>
+                <a:ea typeface="+mn-ea"/>
+                <a:cs typeface="+mn-cs"/>
+              </a:defRPr>
+            </a:lvl9pPr>
+          </a:lstStyle>
+          <a:p>
+            <a:pPr marL="0" indent="0">
+              <a:buNone/>
+            </a:pPr>
+            <a:r>
+              <a:rPr lang="en-US" dirty="0"/>
+              <a:t>F(3) = 5+5+5+5 = 20/20 games win</a:t>
+            </a:r>
+          </a:p>
+          <a:p>
+            <a:pPr marL="0" indent="0">
+              <a:buNone/>
+            </a:pPr>
+            <a:r>
+              <a:rPr lang="en-US" dirty="0"/>
+              <a:t>Chromosome yields:</a:t>
+            </a:r>
+          </a:p>
+          <a:p>
+            <a:pPr marL="0" indent="0">
+              <a:buNone/>
+            </a:pPr>
+            <a:r>
+              <a:rPr lang="en-US" dirty="0"/>
+              <a:t>C1 = 25%</a:t>
+            </a:r>
+          </a:p>
+          <a:p>
+            <a:pPr marL="0" indent="0">
+              <a:buNone/>
+            </a:pPr>
+            <a:r>
+              <a:rPr lang="en-US" dirty="0"/>
+              <a:t>C3 = 25% </a:t>
+            </a:r>
+          </a:p>
+          <a:p>
+            <a:pPr marL="0" indent="0">
+              <a:buNone/>
+            </a:pPr>
+            <a:r>
+              <a:rPr lang="en-US" dirty="0"/>
+              <a:t>C5 = 25%</a:t>
+            </a:r>
+          </a:p>
+          <a:p>
+            <a:pPr marL="0" indent="0">
+              <a:buNone/>
+            </a:pPr>
+            <a:r>
+              <a:rPr lang="en-US" dirty="0"/>
+              <a:t>C6 = 25%</a:t>
+            </a:r>
+          </a:p>
+          <a:p>
+            <a:pPr marL="0" indent="0">
+              <a:buNone/>
+            </a:pPr>
+            <a:r>
+              <a:rPr lang="en-US" dirty="0"/>
+              <a:t>Total games win: 46/50 games</a:t>
             </a:r>
           </a:p>
         </p:txBody>
@@ -8074,15 +11170,6 @@
 </file>
 
 <file path=customXml/item2.xml><?xml version="1.0" encoding="utf-8"?>
-<?mso-contentType ?>
-<FormTemplates xmlns="http://schemas.microsoft.com/sharepoint/v3/contenttype/forms">
-  <Display>DocumentLibraryForm</Display>
-  <Edit>DocumentLibraryForm</Edit>
-  <New>DocumentLibraryForm</New>
-</FormTemplates>
-</file>
-
-<file path=customXml/item3.xml><?xml version="1.0" encoding="utf-8"?>
 <ct:contentTypeSchema xmlns:ct="http://schemas.microsoft.com/office/2006/metadata/contentType" xmlns:ma="http://schemas.microsoft.com/office/2006/metadata/properties/metaAttributes" ct:_="" ma:_="" ma:contentTypeName="Document" ma:contentTypeID="0x01010076CFAD9DC2DA5140A6E19643911BE4A8" ma:contentTypeVersion="12" ma:contentTypeDescription="Create a new document." ma:contentTypeScope="" ma:versionID="44654f145051d84e2f7ae6ebb1994cf4">
   <xsd:schema xmlns:xsd="http://www.w3.org/2001/XMLSchema" xmlns:xs="http://www.w3.org/2001/XMLSchema" xmlns:p="http://schemas.microsoft.com/office/2006/metadata/properties" xmlns:ns3="79a5909b-a234-41cf-bef0-48fb262c46ee" xmlns:ns4="0c843127-3815-4329-8f37-49c5ec4e8117" targetNamespace="http://schemas.microsoft.com/office/2006/metadata/properties" ma:root="true" ma:fieldsID="c5574d6c9227814967ea2062dceeb889" ns3:_="" ns4:_="">
     <xsd:import namespace="79a5909b-a234-41cf-bef0-48fb262c46ee"/>
@@ -8299,6 +11386,15 @@
 </ct:contentTypeSchema>
 </file>
 
+<file path=customXml/item3.xml><?xml version="1.0" encoding="utf-8"?>
+<?mso-contentType ?>
+<FormTemplates xmlns="http://schemas.microsoft.com/sharepoint/v3/contenttype/forms">
+  <Display>DocumentLibraryForm</Display>
+  <Edit>DocumentLibraryForm</Edit>
+  <New>DocumentLibraryForm</New>
+</FormTemplates>
+</file>
+
 <file path=customXml/itemProps1.xml><?xml version="1.0" encoding="utf-8"?>
 <ds:datastoreItem xmlns:ds="http://schemas.openxmlformats.org/officeDocument/2006/customXml" ds:itemID="{AF8ED2A9-2C4E-4FA7-8306-C9CE2AEF27BE}">
   <ds:schemaRefs>
@@ -8309,14 +11405,6 @@
 </file>
 
 <file path=customXml/itemProps2.xml><?xml version="1.0" encoding="utf-8"?>
-<ds:datastoreItem xmlns:ds="http://schemas.openxmlformats.org/officeDocument/2006/customXml" ds:itemID="{D14F48EF-3D5D-4FE6-A92A-677EF26D9C20}">
-  <ds:schemaRefs>
-    <ds:schemaRef ds:uri="http://schemas.microsoft.com/sharepoint/v3/contenttype/forms"/>
-  </ds:schemaRefs>
-</ds:datastoreItem>
-</file>
-
-<file path=customXml/itemProps3.xml><?xml version="1.0" encoding="utf-8"?>
 <ds:datastoreItem xmlns:ds="http://schemas.openxmlformats.org/officeDocument/2006/customXml" ds:itemID="{B9E540DA-C212-436A-B78A-60FB818045E7}">
   <ds:schemaRefs>
     <ds:schemaRef ds:uri="http://schemas.microsoft.com/office/2006/metadata/contentType"/>
@@ -8333,4 +11421,12 @@
     <ds:schemaRef ds:uri="http://schemas.microsoft.com/internal/obd"/>
   </ds:schemaRefs>
 </ds:datastoreItem>
+</file>
+
+<file path=customXml/itemProps3.xml><?xml version="1.0" encoding="utf-8"?>
+<ds:datastoreItem xmlns:ds="http://schemas.openxmlformats.org/officeDocument/2006/customXml" ds:itemID="{D14F48EF-3D5D-4FE6-A92A-677EF26D9C20}">
+  <ds:schemaRefs>
+    <ds:schemaRef ds:uri="http://schemas.microsoft.com/sharepoint/v3/contenttype/forms"/>
+  </ds:schemaRefs>
+</ds:datastoreItem>
 </file>